--- a/source/_posts/private/temp.pptx
+++ b/source/_posts/private/temp.pptx
@@ -12,6 +12,7 @@
     <p:sldId id="261" r:id="rId6"/>
     <p:sldId id="262" r:id="rId7"/>
     <p:sldId id="263" r:id="rId8"/>
+    <p:sldId id="264" r:id="rId9"/>
   </p:sldIdLst>
   <p:sldSz cx="12192000" cy="6858000"/>
   <p:notesSz cx="6858000" cy="9144000"/>
@@ -249,7 +250,7 @@
           <a:p>
             <a:fld id="{2AD4BC02-7F97-4D27-81F7-72C0A593BB03}" type="datetimeFigureOut">
               <a:rPr lang="zh-CN" altLang="en-US" smtClean="0"/>
-              <a:t>2018/10/30</a:t>
+              <a:t>2018/11/6</a:t>
             </a:fld>
             <a:endParaRPr lang="zh-CN" altLang="en-US"/>
           </a:p>
@@ -419,7 +420,7 @@
           <a:p>
             <a:fld id="{2AD4BC02-7F97-4D27-81F7-72C0A593BB03}" type="datetimeFigureOut">
               <a:rPr lang="zh-CN" altLang="en-US" smtClean="0"/>
-              <a:t>2018/10/30</a:t>
+              <a:t>2018/11/6</a:t>
             </a:fld>
             <a:endParaRPr lang="zh-CN" altLang="en-US"/>
           </a:p>
@@ -599,7 +600,7 @@
           <a:p>
             <a:fld id="{2AD4BC02-7F97-4D27-81F7-72C0A593BB03}" type="datetimeFigureOut">
               <a:rPr lang="zh-CN" altLang="en-US" smtClean="0"/>
-              <a:t>2018/10/30</a:t>
+              <a:t>2018/11/6</a:t>
             </a:fld>
             <a:endParaRPr lang="zh-CN" altLang="en-US"/>
           </a:p>
@@ -769,7 +770,7 @@
           <a:p>
             <a:fld id="{2AD4BC02-7F97-4D27-81F7-72C0A593BB03}" type="datetimeFigureOut">
               <a:rPr lang="zh-CN" altLang="en-US" smtClean="0"/>
-              <a:t>2018/10/30</a:t>
+              <a:t>2018/11/6</a:t>
             </a:fld>
             <a:endParaRPr lang="zh-CN" altLang="en-US"/>
           </a:p>
@@ -1015,7 +1016,7 @@
           <a:p>
             <a:fld id="{2AD4BC02-7F97-4D27-81F7-72C0A593BB03}" type="datetimeFigureOut">
               <a:rPr lang="zh-CN" altLang="en-US" smtClean="0"/>
-              <a:t>2018/10/30</a:t>
+              <a:t>2018/11/6</a:t>
             </a:fld>
             <a:endParaRPr lang="zh-CN" altLang="en-US"/>
           </a:p>
@@ -1247,7 +1248,7 @@
           <a:p>
             <a:fld id="{2AD4BC02-7F97-4D27-81F7-72C0A593BB03}" type="datetimeFigureOut">
               <a:rPr lang="zh-CN" altLang="en-US" smtClean="0"/>
-              <a:t>2018/10/30</a:t>
+              <a:t>2018/11/6</a:t>
             </a:fld>
             <a:endParaRPr lang="zh-CN" altLang="en-US"/>
           </a:p>
@@ -1614,7 +1615,7 @@
           <a:p>
             <a:fld id="{2AD4BC02-7F97-4D27-81F7-72C0A593BB03}" type="datetimeFigureOut">
               <a:rPr lang="zh-CN" altLang="en-US" smtClean="0"/>
-              <a:t>2018/10/30</a:t>
+              <a:t>2018/11/6</a:t>
             </a:fld>
             <a:endParaRPr lang="zh-CN" altLang="en-US"/>
           </a:p>
@@ -1732,7 +1733,7 @@
           <a:p>
             <a:fld id="{2AD4BC02-7F97-4D27-81F7-72C0A593BB03}" type="datetimeFigureOut">
               <a:rPr lang="zh-CN" altLang="en-US" smtClean="0"/>
-              <a:t>2018/10/30</a:t>
+              <a:t>2018/11/6</a:t>
             </a:fld>
             <a:endParaRPr lang="zh-CN" altLang="en-US"/>
           </a:p>
@@ -1827,7 +1828,7 @@
           <a:p>
             <a:fld id="{2AD4BC02-7F97-4D27-81F7-72C0A593BB03}" type="datetimeFigureOut">
               <a:rPr lang="zh-CN" altLang="en-US" smtClean="0"/>
-              <a:t>2018/10/30</a:t>
+              <a:t>2018/11/6</a:t>
             </a:fld>
             <a:endParaRPr lang="zh-CN" altLang="en-US"/>
           </a:p>
@@ -2104,7 +2105,7 @@
           <a:p>
             <a:fld id="{2AD4BC02-7F97-4D27-81F7-72C0A593BB03}" type="datetimeFigureOut">
               <a:rPr lang="zh-CN" altLang="en-US" smtClean="0"/>
-              <a:t>2018/10/30</a:t>
+              <a:t>2018/11/6</a:t>
             </a:fld>
             <a:endParaRPr lang="zh-CN" altLang="en-US"/>
           </a:p>
@@ -2357,7 +2358,7 @@
           <a:p>
             <a:fld id="{2AD4BC02-7F97-4D27-81F7-72C0A593BB03}" type="datetimeFigureOut">
               <a:rPr lang="zh-CN" altLang="en-US" smtClean="0"/>
-              <a:t>2018/10/30</a:t>
+              <a:t>2018/11/6</a:t>
             </a:fld>
             <a:endParaRPr lang="zh-CN" altLang="en-US"/>
           </a:p>
@@ -2570,7 +2571,7 @@
           <a:p>
             <a:fld id="{2AD4BC02-7F97-4D27-81F7-72C0A593BB03}" type="datetimeFigureOut">
               <a:rPr lang="zh-CN" altLang="en-US" smtClean="0"/>
-              <a:t>2018/10/30</a:t>
+              <a:t>2018/11/6</a:t>
             </a:fld>
             <a:endParaRPr lang="zh-CN" altLang="en-US"/>
           </a:p>
@@ -3466,7 +3467,7 @@
                     <a:bodyPr/>
                     <a:lstStyle/>
                     <a:p>
-                      <a:endParaRPr lang="zh-CN" altLang="en-US" dirty="0"/>
+                      <a:endParaRPr lang="zh-CN" altLang="en-US"/>
                     </a:p>
                   </a:txBody>
                   <a:tcPr/>
@@ -3536,7 +3537,7 @@
                     <a:bodyPr/>
                     <a:lstStyle/>
                     <a:p>
-                      <a:endParaRPr lang="zh-CN" altLang="en-US" dirty="0"/>
+                      <a:endParaRPr lang="zh-CN" altLang="en-US"/>
                     </a:p>
                   </a:txBody>
                   <a:tcPr/>
@@ -3674,7 +3675,7 @@
                     <a:bodyPr/>
                     <a:lstStyle/>
                     <a:p>
-                      <a:endParaRPr lang="zh-CN" altLang="en-US" dirty="0"/>
+                      <a:endParaRPr lang="zh-CN" altLang="en-US"/>
                     </a:p>
                   </a:txBody>
                   <a:tcPr/>
@@ -3744,7 +3745,7 @@
                     <a:bodyPr/>
                     <a:lstStyle/>
                     <a:p>
-                      <a:endParaRPr lang="zh-CN" altLang="en-US" dirty="0"/>
+                      <a:endParaRPr lang="zh-CN" altLang="en-US"/>
                     </a:p>
                   </a:txBody>
                   <a:tcPr/>
@@ -3882,7 +3883,7 @@
                     <a:bodyPr/>
                     <a:lstStyle/>
                     <a:p>
-                      <a:endParaRPr lang="zh-CN" altLang="en-US" dirty="0"/>
+                      <a:endParaRPr lang="zh-CN" altLang="en-US"/>
                     </a:p>
                   </a:txBody>
                   <a:tcPr/>
@@ -3952,7 +3953,7 @@
                     <a:bodyPr/>
                     <a:lstStyle/>
                     <a:p>
-                      <a:endParaRPr lang="zh-CN" altLang="en-US" dirty="0"/>
+                      <a:endParaRPr lang="zh-CN" altLang="en-US"/>
                     </a:p>
                   </a:txBody>
                   <a:tcPr/>
@@ -4090,7 +4091,7 @@
                     <a:bodyPr/>
                     <a:lstStyle/>
                     <a:p>
-                      <a:endParaRPr lang="zh-CN" altLang="en-US" dirty="0"/>
+                      <a:endParaRPr lang="zh-CN" altLang="en-US"/>
                     </a:p>
                   </a:txBody>
                   <a:tcPr/>
@@ -4160,7 +4161,7 @@
                     <a:bodyPr/>
                     <a:lstStyle/>
                     <a:p>
-                      <a:endParaRPr lang="zh-CN" altLang="en-US" dirty="0"/>
+                      <a:endParaRPr lang="zh-CN" altLang="en-US"/>
                     </a:p>
                   </a:txBody>
                   <a:tcPr/>
@@ -4299,10 +4300,10 @@
                     <a:lstStyle/>
                     <a:p>
                       <a:r>
-                        <a:rPr lang="en-US" altLang="zh-CN" dirty="0" smtClean="0"/>
+                        <a:rPr lang="en-US" altLang="zh-CN" smtClean="0"/>
                         <a:t>      get</a:t>
                       </a:r>
-                      <a:endParaRPr lang="zh-CN" altLang="en-US" dirty="0"/>
+                      <a:endParaRPr lang="zh-CN" altLang="en-US"/>
                     </a:p>
                   </a:txBody>
                   <a:tcPr/>
@@ -4313,10 +4314,10 @@
                     <a:lstStyle/>
                     <a:p>
                       <a:r>
-                        <a:rPr lang="en-US" altLang="zh-CN" dirty="0" smtClean="0"/>
+                        <a:rPr lang="en-US" altLang="zh-CN" smtClean="0"/>
                         <a:t>      set</a:t>
                       </a:r>
-                      <a:endParaRPr lang="zh-CN" altLang="en-US" dirty="0"/>
+                      <a:endParaRPr lang="zh-CN" altLang="en-US"/>
                     </a:p>
                   </a:txBody>
                   <a:tcPr/>
@@ -4376,7 +4377,7 @@
                     <a:bodyPr/>
                     <a:lstStyle/>
                     <a:p>
-                      <a:endParaRPr lang="zh-CN" altLang="en-US" dirty="0"/>
+                      <a:endParaRPr lang="zh-CN" altLang="en-US"/>
                     </a:p>
                   </a:txBody>
                   <a:tcPr/>
@@ -4497,10 +4498,10 @@
           <a:lstStyle/>
           <a:p>
             <a:r>
-              <a:rPr lang="en-US" altLang="zh-CN" dirty="0" smtClean="0"/>
+              <a:rPr lang="en-US" altLang="zh-CN" smtClean="0"/>
               <a:t>+1</a:t>
             </a:r>
-            <a:endParaRPr lang="zh-CN" altLang="en-US" dirty="0"/>
+            <a:endParaRPr lang="zh-CN" altLang="en-US"/>
           </a:p>
         </p:txBody>
       </p:sp>
@@ -4527,10 +4528,10 @@
           <a:lstStyle/>
           <a:p>
             <a:r>
-              <a:rPr lang="en-US" altLang="zh-CN" dirty="0" smtClean="0"/>
+              <a:rPr lang="en-US" altLang="zh-CN" smtClean="0"/>
               <a:t>+1</a:t>
             </a:r>
-            <a:endParaRPr lang="zh-CN" altLang="en-US" dirty="0"/>
+            <a:endParaRPr lang="zh-CN" altLang="en-US"/>
           </a:p>
         </p:txBody>
       </p:sp>
@@ -4557,10 +4558,10 @@
           <a:lstStyle/>
           <a:p>
             <a:r>
-              <a:rPr lang="en-US" altLang="zh-CN" dirty="0" smtClean="0"/>
+              <a:rPr lang="en-US" altLang="zh-CN" smtClean="0"/>
               <a:t>+1</a:t>
             </a:r>
-            <a:endParaRPr lang="zh-CN" altLang="en-US" dirty="0"/>
+            <a:endParaRPr lang="zh-CN" altLang="en-US"/>
           </a:p>
         </p:txBody>
       </p:sp>
@@ -4587,10 +4588,10 @@
           <a:lstStyle/>
           <a:p>
             <a:r>
-              <a:rPr lang="en-US" altLang="zh-CN" dirty="0" smtClean="0"/>
+              <a:rPr lang="en-US" altLang="zh-CN" smtClean="0"/>
               <a:t>+1</a:t>
             </a:r>
-            <a:endParaRPr lang="zh-CN" altLang="en-US" dirty="0"/>
+            <a:endParaRPr lang="zh-CN" altLang="en-US"/>
           </a:p>
         </p:txBody>
       </p:sp>
@@ -4617,10 +4618,10 @@
           <a:lstStyle/>
           <a:p>
             <a:r>
-              <a:rPr lang="en-US" altLang="zh-CN" dirty="0" smtClean="0"/>
+              <a:rPr lang="en-US" altLang="zh-CN" smtClean="0"/>
               <a:t>+1</a:t>
             </a:r>
-            <a:endParaRPr lang="zh-CN" altLang="en-US" dirty="0"/>
+            <a:endParaRPr lang="zh-CN" altLang="en-US"/>
           </a:p>
         </p:txBody>
       </p:sp>
@@ -4647,10 +4648,10 @@
           <a:lstStyle/>
           <a:p>
             <a:r>
-              <a:rPr lang="en-US" altLang="zh-CN" dirty="0" smtClean="0"/>
+              <a:rPr lang="en-US" altLang="zh-CN" smtClean="0"/>
               <a:t>-2</a:t>
             </a:r>
-            <a:endParaRPr lang="zh-CN" altLang="en-US" dirty="0"/>
+            <a:endParaRPr lang="zh-CN" altLang="en-US"/>
           </a:p>
         </p:txBody>
       </p:sp>
@@ -4677,10 +4678,10 @@
           <a:lstStyle/>
           <a:p>
             <a:r>
-              <a:rPr lang="en-US" altLang="zh-CN" dirty="0" smtClean="0"/>
+              <a:rPr lang="en-US" altLang="zh-CN" smtClean="0"/>
               <a:t>-2</a:t>
             </a:r>
-            <a:endParaRPr lang="zh-CN" altLang="en-US" dirty="0"/>
+            <a:endParaRPr lang="zh-CN" altLang="en-US"/>
           </a:p>
         </p:txBody>
       </p:sp>
@@ -4707,10 +4708,10 @@
           <a:lstStyle/>
           <a:p>
             <a:r>
-              <a:rPr lang="en-US" altLang="zh-CN" dirty="0" smtClean="0"/>
+              <a:rPr lang="en-US" altLang="zh-CN" smtClean="0"/>
               <a:t>-2</a:t>
             </a:r>
-            <a:endParaRPr lang="zh-CN" altLang="en-US" dirty="0"/>
+            <a:endParaRPr lang="zh-CN" altLang="en-US"/>
           </a:p>
         </p:txBody>
       </p:sp>
@@ -4737,10 +4738,10 @@
           <a:lstStyle/>
           <a:p>
             <a:r>
-              <a:rPr lang="en-US" altLang="zh-CN" dirty="0" smtClean="0"/>
+              <a:rPr lang="en-US" altLang="zh-CN" smtClean="0"/>
               <a:t>-2</a:t>
             </a:r>
-            <a:endParaRPr lang="zh-CN" altLang="en-US" dirty="0"/>
+            <a:endParaRPr lang="zh-CN" altLang="en-US"/>
           </a:p>
         </p:txBody>
       </p:sp>
@@ -4767,10 +4768,10 @@
           <a:lstStyle/>
           <a:p>
             <a:r>
-              <a:rPr lang="en-US" altLang="zh-CN" dirty="0" smtClean="0"/>
+              <a:rPr lang="en-US" altLang="zh-CN" smtClean="0"/>
               <a:t>-2</a:t>
             </a:r>
-            <a:endParaRPr lang="zh-CN" altLang="en-US" dirty="0"/>
+            <a:endParaRPr lang="zh-CN" altLang="en-US"/>
           </a:p>
         </p:txBody>
       </p:sp>
@@ -4797,10 +4798,10 @@
           <a:lstStyle/>
           <a:p>
             <a:r>
-              <a:rPr lang="en-US" altLang="zh-CN" dirty="0" smtClean="0"/>
+              <a:rPr lang="en-US" altLang="zh-CN" smtClean="0"/>
               <a:t>-1</a:t>
             </a:r>
-            <a:endParaRPr lang="zh-CN" altLang="en-US" dirty="0"/>
+            <a:endParaRPr lang="zh-CN" altLang="en-US"/>
           </a:p>
         </p:txBody>
       </p:sp>
@@ -4827,10 +4828,10 @@
           <a:lstStyle/>
           <a:p>
             <a:r>
-              <a:rPr lang="en-US" altLang="zh-CN" dirty="0" smtClean="0"/>
+              <a:rPr lang="en-US" altLang="zh-CN" smtClean="0"/>
               <a:t>-3</a:t>
             </a:r>
-            <a:endParaRPr lang="zh-CN" altLang="en-US" dirty="0"/>
+            <a:endParaRPr lang="zh-CN" altLang="en-US"/>
           </a:p>
         </p:txBody>
       </p:sp>
@@ -4857,10 +4858,10 @@
           <a:lstStyle/>
           <a:p>
             <a:r>
-              <a:rPr lang="en-US" altLang="zh-CN" dirty="0" smtClean="0"/>
+              <a:rPr lang="en-US" altLang="zh-CN" smtClean="0"/>
               <a:t> 0</a:t>
             </a:r>
-            <a:endParaRPr lang="zh-CN" altLang="en-US" dirty="0"/>
+            <a:endParaRPr lang="zh-CN" altLang="en-US"/>
           </a:p>
         </p:txBody>
       </p:sp>
@@ -4887,10 +4888,10 @@
           <a:lstStyle/>
           <a:p>
             <a:r>
-              <a:rPr lang="en-US" altLang="zh-CN" dirty="0" smtClean="0"/>
+              <a:rPr lang="en-US" altLang="zh-CN" smtClean="0"/>
               <a:t>-2</a:t>
             </a:r>
-            <a:endParaRPr lang="zh-CN" altLang="en-US" dirty="0"/>
+            <a:endParaRPr lang="zh-CN" altLang="en-US"/>
           </a:p>
         </p:txBody>
       </p:sp>
@@ -4967,10 +4968,10 @@
                     <a:lstStyle/>
                     <a:p>
                       <a:r>
-                        <a:rPr lang="en-US" altLang="zh-CN" dirty="0" smtClean="0"/>
+                        <a:rPr lang="en-US" altLang="zh-CN" smtClean="0"/>
                         <a:t>-1.0</a:t>
                       </a:r>
-                      <a:endParaRPr lang="zh-CN" altLang="en-US" dirty="0"/>
+                      <a:endParaRPr lang="zh-CN" altLang="en-US"/>
                     </a:p>
                   </a:txBody>
                   <a:tcPr/>
@@ -4981,10 +4982,10 @@
                     <a:lstStyle/>
                     <a:p>
                       <a:r>
-                        <a:rPr lang="en-US" altLang="zh-CN" dirty="0" smtClean="0"/>
+                        <a:rPr lang="en-US" altLang="zh-CN" smtClean="0"/>
                         <a:t>-0.9</a:t>
                       </a:r>
-                      <a:endParaRPr lang="zh-CN" altLang="en-US" dirty="0"/>
+                      <a:endParaRPr lang="zh-CN" altLang="en-US"/>
                     </a:p>
                   </a:txBody>
                   <a:tcPr/>
@@ -4995,10 +4996,10 @@
                     <a:lstStyle/>
                     <a:p>
                       <a:r>
-                        <a:rPr lang="en-US" altLang="zh-CN" dirty="0" smtClean="0"/>
+                        <a:rPr lang="en-US" altLang="zh-CN" smtClean="0"/>
                         <a:t>-0.8</a:t>
                       </a:r>
-                      <a:endParaRPr lang="zh-CN" altLang="en-US" dirty="0"/>
+                      <a:endParaRPr lang="zh-CN" altLang="en-US"/>
                     </a:p>
                   </a:txBody>
                   <a:tcPr/>
@@ -5009,10 +5010,10 @@
                     <a:lstStyle/>
                     <a:p>
                       <a:r>
-                        <a:rPr lang="en-US" altLang="zh-CN" dirty="0" smtClean="0"/>
+                        <a:rPr lang="en-US" altLang="zh-CN" smtClean="0"/>
                         <a:t>-0.7</a:t>
                       </a:r>
-                      <a:endParaRPr lang="zh-CN" altLang="en-US" dirty="0"/>
+                      <a:endParaRPr lang="zh-CN" altLang="en-US"/>
                     </a:p>
                   </a:txBody>
                   <a:tcPr/>
@@ -5023,10 +5024,10 @@
                     <a:lstStyle/>
                     <a:p>
                       <a:r>
-                        <a:rPr lang="en-US" altLang="zh-CN" dirty="0" smtClean="0"/>
+                        <a:rPr lang="en-US" altLang="zh-CN" smtClean="0"/>
                         <a:t>-0.6</a:t>
                       </a:r>
-                      <a:endParaRPr lang="zh-CN" altLang="en-US" dirty="0"/>
+                      <a:endParaRPr lang="zh-CN" altLang="en-US"/>
                     </a:p>
                   </a:txBody>
                   <a:tcPr/>
@@ -5037,10 +5038,10 @@
                     <a:lstStyle/>
                     <a:p>
                       <a:r>
-                        <a:rPr lang="en-US" altLang="zh-CN" dirty="0" smtClean="0"/>
+                        <a:rPr lang="en-US" altLang="zh-CN" smtClean="0"/>
                         <a:t>-0.5</a:t>
                       </a:r>
-                      <a:endParaRPr lang="zh-CN" altLang="en-US" dirty="0"/>
+                      <a:endParaRPr lang="zh-CN" altLang="en-US"/>
                     </a:p>
                   </a:txBody>
                   <a:tcPr>
@@ -5055,10 +5056,10 @@
                     <a:lstStyle/>
                     <a:p>
                       <a:r>
-                        <a:rPr lang="en-US" altLang="zh-CN" dirty="0" smtClean="0"/>
+                        <a:rPr lang="en-US" altLang="zh-CN" smtClean="0"/>
                         <a:t>-0.4</a:t>
                       </a:r>
-                      <a:endParaRPr lang="zh-CN" altLang="en-US" dirty="0"/>
+                      <a:endParaRPr lang="zh-CN" altLang="en-US"/>
                     </a:p>
                   </a:txBody>
                   <a:tcPr>
@@ -5073,10 +5074,10 @@
                     <a:lstStyle/>
                     <a:p>
                       <a:r>
-                        <a:rPr lang="en-US" altLang="zh-CN" dirty="0" smtClean="0"/>
+                        <a:rPr lang="en-US" altLang="zh-CN" smtClean="0"/>
                         <a:t>-0.3</a:t>
                       </a:r>
-                      <a:endParaRPr lang="zh-CN" altLang="en-US" dirty="0"/>
+                      <a:endParaRPr lang="zh-CN" altLang="en-US"/>
                     </a:p>
                   </a:txBody>
                   <a:tcPr>
@@ -5091,10 +5092,10 @@
                     <a:lstStyle/>
                     <a:p>
                       <a:r>
-                        <a:rPr lang="en-US" altLang="zh-CN" dirty="0" smtClean="0"/>
+                        <a:rPr lang="en-US" altLang="zh-CN" smtClean="0"/>
                         <a:t>-0.2</a:t>
                       </a:r>
-                      <a:endParaRPr lang="zh-CN" altLang="en-US" dirty="0"/>
+                      <a:endParaRPr lang="zh-CN" altLang="en-US"/>
                     </a:p>
                   </a:txBody>
                   <a:tcPr>
@@ -5109,10 +5110,10 @@
                     <a:lstStyle/>
                     <a:p>
                       <a:r>
-                        <a:rPr lang="en-US" altLang="zh-CN" dirty="0" smtClean="0"/>
+                        <a:rPr lang="en-US" altLang="zh-CN" smtClean="0"/>
                         <a:t>-0.1</a:t>
                       </a:r>
-                      <a:endParaRPr lang="zh-CN" altLang="en-US" dirty="0"/>
+                      <a:endParaRPr lang="zh-CN" altLang="en-US"/>
                     </a:p>
                   </a:txBody>
                   <a:tcPr>
@@ -5129,10 +5130,10 @@
                     <a:lstStyle/>
                     <a:p>
                       <a:r>
-                        <a:rPr lang="en-US" altLang="zh-CN" dirty="0" smtClean="0"/>
+                        <a:rPr lang="en-US" altLang="zh-CN" smtClean="0"/>
                         <a:t>0</a:t>
                       </a:r>
-                      <a:endParaRPr lang="zh-CN" altLang="en-US" dirty="0"/>
+                      <a:endParaRPr lang="zh-CN" altLang="en-US"/>
                     </a:p>
                   </a:txBody>
                   <a:tcPr/>
@@ -5143,10 +5144,10 @@
                     <a:lstStyle/>
                     <a:p>
                       <a:r>
-                        <a:rPr lang="en-US" altLang="zh-CN" dirty="0" smtClean="0"/>
+                        <a:rPr lang="en-US" altLang="zh-CN" smtClean="0"/>
                         <a:t>0.1</a:t>
                       </a:r>
-                      <a:endParaRPr lang="zh-CN" altLang="en-US" dirty="0"/>
+                      <a:endParaRPr lang="zh-CN" altLang="en-US"/>
                     </a:p>
                   </a:txBody>
                   <a:tcPr/>
@@ -5157,10 +5158,10 @@
                     <a:lstStyle/>
                     <a:p>
                       <a:r>
-                        <a:rPr lang="en-US" altLang="zh-CN" dirty="0" smtClean="0"/>
+                        <a:rPr lang="en-US" altLang="zh-CN" smtClean="0"/>
                         <a:t>0.2</a:t>
                       </a:r>
-                      <a:endParaRPr lang="zh-CN" altLang="en-US" dirty="0"/>
+                      <a:endParaRPr lang="zh-CN" altLang="en-US"/>
                     </a:p>
                   </a:txBody>
                   <a:tcPr/>
@@ -5171,10 +5172,10 @@
                     <a:lstStyle/>
                     <a:p>
                       <a:r>
-                        <a:rPr lang="en-US" altLang="zh-CN" dirty="0" smtClean="0"/>
+                        <a:rPr lang="en-US" altLang="zh-CN" smtClean="0"/>
                         <a:t>0.3</a:t>
                       </a:r>
-                      <a:endParaRPr lang="zh-CN" altLang="en-US" dirty="0"/>
+                      <a:endParaRPr lang="zh-CN" altLang="en-US"/>
                     </a:p>
                   </a:txBody>
                   <a:tcPr/>
@@ -5185,10 +5186,10 @@
                     <a:lstStyle/>
                     <a:p>
                       <a:r>
-                        <a:rPr lang="en-US" altLang="zh-CN" dirty="0" smtClean="0"/>
+                        <a:rPr lang="en-US" altLang="zh-CN" smtClean="0"/>
                         <a:t>0.4</a:t>
                       </a:r>
-                      <a:endParaRPr lang="zh-CN" altLang="en-US" dirty="0"/>
+                      <a:endParaRPr lang="zh-CN" altLang="en-US"/>
                     </a:p>
                   </a:txBody>
                   <a:tcPr/>
@@ -5199,10 +5200,10 @@
                     <a:lstStyle/>
                     <a:p>
                       <a:r>
-                        <a:rPr lang="en-US" altLang="zh-CN" dirty="0" smtClean="0"/>
+                        <a:rPr lang="en-US" altLang="zh-CN" smtClean="0"/>
                         <a:t>0.5</a:t>
                       </a:r>
-                      <a:endParaRPr lang="zh-CN" altLang="en-US" dirty="0"/>
+                      <a:endParaRPr lang="zh-CN" altLang="en-US"/>
                     </a:p>
                   </a:txBody>
                   <a:tcPr>
@@ -5217,10 +5218,10 @@
                     <a:lstStyle/>
                     <a:p>
                       <a:r>
-                        <a:rPr lang="en-US" altLang="zh-CN" dirty="0" smtClean="0"/>
+                        <a:rPr lang="en-US" altLang="zh-CN" smtClean="0"/>
                         <a:t>0.6</a:t>
                       </a:r>
-                      <a:endParaRPr lang="zh-CN" altLang="en-US" dirty="0"/>
+                      <a:endParaRPr lang="zh-CN" altLang="en-US"/>
                     </a:p>
                   </a:txBody>
                   <a:tcPr>
@@ -5235,10 +5236,10 @@
                     <a:lstStyle/>
                     <a:p>
                       <a:r>
-                        <a:rPr lang="en-US" altLang="zh-CN" dirty="0" smtClean="0"/>
+                        <a:rPr lang="en-US" altLang="zh-CN" smtClean="0"/>
                         <a:t>0.7</a:t>
                       </a:r>
-                      <a:endParaRPr lang="zh-CN" altLang="en-US" dirty="0"/>
+                      <a:endParaRPr lang="zh-CN" altLang="en-US"/>
                     </a:p>
                   </a:txBody>
                   <a:tcPr>
@@ -5253,10 +5254,10 @@
                     <a:lstStyle/>
                     <a:p>
                       <a:r>
-                        <a:rPr lang="en-US" altLang="zh-CN" dirty="0" smtClean="0"/>
+                        <a:rPr lang="en-US" altLang="zh-CN" smtClean="0"/>
                         <a:t>0.8</a:t>
                       </a:r>
-                      <a:endParaRPr lang="zh-CN" altLang="en-US" dirty="0"/>
+                      <a:endParaRPr lang="zh-CN" altLang="en-US"/>
                     </a:p>
                   </a:txBody>
                   <a:tcPr>
@@ -5271,10 +5272,10 @@
                     <a:lstStyle/>
                     <a:p>
                       <a:r>
-                        <a:rPr lang="en-US" altLang="zh-CN" dirty="0" smtClean="0"/>
+                        <a:rPr lang="en-US" altLang="zh-CN" smtClean="0"/>
                         <a:t>0.9</a:t>
                       </a:r>
-                      <a:endParaRPr lang="zh-CN" altLang="en-US" dirty="0"/>
+                      <a:endParaRPr lang="zh-CN" altLang="en-US"/>
                     </a:p>
                   </a:txBody>
                   <a:tcPr>
@@ -5291,10 +5292,10 @@
                     <a:lstStyle/>
                     <a:p>
                       <a:r>
-                        <a:rPr lang="en-US" altLang="zh-CN" dirty="0" smtClean="0"/>
+                        <a:rPr lang="en-US" altLang="zh-CN" smtClean="0"/>
                         <a:t>1.0</a:t>
                       </a:r>
-                      <a:endParaRPr lang="zh-CN" altLang="en-US" dirty="0"/>
+                      <a:endParaRPr lang="zh-CN" altLang="en-US"/>
                     </a:p>
                   </a:txBody>
                   <a:tcPr/>
@@ -5305,10 +5306,10 @@
                     <a:lstStyle/>
                     <a:p>
                       <a:r>
-                        <a:rPr lang="en-US" altLang="zh-CN" dirty="0" smtClean="0"/>
+                        <a:rPr lang="en-US" altLang="zh-CN" smtClean="0"/>
                         <a:t>1.1</a:t>
                       </a:r>
-                      <a:endParaRPr lang="zh-CN" altLang="en-US" dirty="0"/>
+                      <a:endParaRPr lang="zh-CN" altLang="en-US"/>
                     </a:p>
                   </a:txBody>
                   <a:tcPr/>
@@ -5319,10 +5320,10 @@
                     <a:lstStyle/>
                     <a:p>
                       <a:r>
-                        <a:rPr lang="en-US" altLang="zh-CN" dirty="0" smtClean="0"/>
+                        <a:rPr lang="en-US" altLang="zh-CN" smtClean="0"/>
                         <a:t>1. 2</a:t>
                       </a:r>
-                      <a:endParaRPr lang="zh-CN" altLang="en-US" dirty="0"/>
+                      <a:endParaRPr lang="zh-CN" altLang="en-US"/>
                     </a:p>
                   </a:txBody>
                   <a:tcPr/>
@@ -5333,10 +5334,10 @@
                     <a:lstStyle/>
                     <a:p>
                       <a:r>
-                        <a:rPr lang="en-US" altLang="zh-CN" dirty="0" smtClean="0"/>
+                        <a:rPr lang="en-US" altLang="zh-CN" smtClean="0"/>
                         <a:t>1.3</a:t>
                       </a:r>
-                      <a:endParaRPr lang="zh-CN" altLang="en-US" dirty="0"/>
+                      <a:endParaRPr lang="zh-CN" altLang="en-US"/>
                     </a:p>
                   </a:txBody>
                   <a:tcPr/>
@@ -5347,10 +5348,10 @@
                     <a:lstStyle/>
                     <a:p>
                       <a:r>
-                        <a:rPr lang="en-US" altLang="zh-CN" dirty="0" smtClean="0"/>
+                        <a:rPr lang="en-US" altLang="zh-CN" smtClean="0"/>
                         <a:t>1.4</a:t>
                       </a:r>
-                      <a:endParaRPr lang="zh-CN" altLang="en-US" dirty="0"/>
+                      <a:endParaRPr lang="zh-CN" altLang="en-US"/>
                     </a:p>
                   </a:txBody>
                   <a:tcPr/>
@@ -5361,10 +5362,10 @@
                     <a:lstStyle/>
                     <a:p>
                       <a:r>
-                        <a:rPr lang="en-US" altLang="zh-CN" dirty="0" smtClean="0"/>
+                        <a:rPr lang="en-US" altLang="zh-CN" smtClean="0"/>
                         <a:t>1.5</a:t>
                       </a:r>
-                      <a:endParaRPr lang="zh-CN" altLang="en-US" dirty="0"/>
+                      <a:endParaRPr lang="zh-CN" altLang="en-US"/>
                     </a:p>
                   </a:txBody>
                   <a:tcPr>
@@ -5379,10 +5380,10 @@
                     <a:lstStyle/>
                     <a:p>
                       <a:r>
-                        <a:rPr lang="en-US" altLang="zh-CN" dirty="0" smtClean="0"/>
+                        <a:rPr lang="en-US" altLang="zh-CN" smtClean="0"/>
                         <a:t>1.6</a:t>
                       </a:r>
-                      <a:endParaRPr lang="zh-CN" altLang="en-US" dirty="0"/>
+                      <a:endParaRPr lang="zh-CN" altLang="en-US"/>
                     </a:p>
                   </a:txBody>
                   <a:tcPr>
@@ -5397,10 +5398,10 @@
                     <a:lstStyle/>
                     <a:p>
                       <a:r>
-                        <a:rPr lang="en-US" altLang="zh-CN" dirty="0" smtClean="0"/>
+                        <a:rPr lang="en-US" altLang="zh-CN" smtClean="0"/>
                         <a:t>1.7</a:t>
                       </a:r>
-                      <a:endParaRPr lang="zh-CN" altLang="en-US" dirty="0"/>
+                      <a:endParaRPr lang="zh-CN" altLang="en-US"/>
                     </a:p>
                   </a:txBody>
                   <a:tcPr>
@@ -5415,10 +5416,10 @@
                     <a:lstStyle/>
                     <a:p>
                       <a:r>
-                        <a:rPr lang="en-US" altLang="zh-CN" dirty="0" smtClean="0"/>
+                        <a:rPr lang="en-US" altLang="zh-CN" smtClean="0"/>
                         <a:t>1.8</a:t>
                       </a:r>
-                      <a:endParaRPr lang="zh-CN" altLang="en-US" dirty="0"/>
+                      <a:endParaRPr lang="zh-CN" altLang="en-US"/>
                     </a:p>
                   </a:txBody>
                   <a:tcPr>
@@ -5433,15 +5434,447 @@
                     <a:lstStyle/>
                     <a:p>
                       <a:r>
-                        <a:rPr lang="en-US" altLang="zh-CN" dirty="0" smtClean="0"/>
+                        <a:rPr lang="en-US" altLang="zh-CN" smtClean="0"/>
                         <a:t>1.9</a:t>
                       </a:r>
-                      <a:endParaRPr lang="zh-CN" altLang="en-US" dirty="0"/>
+                      <a:endParaRPr lang="zh-CN" altLang="en-US"/>
                     </a:p>
                   </a:txBody>
                   <a:tcPr>
                     <a:solidFill>
                       <a:schemeClr val="accent2"/>
+                    </a:solidFill>
+                  </a:tcPr>
+                </a:tc>
+              </a:tr>
+            </a:tbl>
+          </a:graphicData>
+        </a:graphic>
+      </p:graphicFrame>
+      <p:graphicFrame>
+        <p:nvGraphicFramePr>
+          <p:cNvPr id="5" name="表格 4"/>
+          <p:cNvGraphicFramePr>
+            <a:graphicFrameLocks noGrp="1"/>
+          </p:cNvGraphicFramePr>
+          <p:nvPr>
+            <p:extLst>
+              <p:ext uri="{D42A27DB-BD31-4B8C-83A1-F6EECF244321}">
+                <p14:modId xmlns:p14="http://schemas.microsoft.com/office/powerpoint/2010/main" val="3848740869"/>
+              </p:ext>
+            </p:extLst>
+          </p:nvPr>
+        </p:nvGraphicFramePr>
+        <p:xfrm>
+          <a:off x="388928" y="4191527"/>
+          <a:ext cx="11483976" cy="370840"/>
+        </p:xfrm>
+        <a:graphic>
+          <a:graphicData uri="http://schemas.openxmlformats.org/drawingml/2006/table">
+            <a:tbl>
+              <a:tblPr firstRow="1" bandRow="1">
+                <a:tableStyleId>{5C22544A-7EE6-4342-B048-85BDC9FD1C3A}</a:tableStyleId>
+              </a:tblPr>
+              <a:tblGrid>
+                <a:gridCol w="546856"/>
+                <a:gridCol w="546856"/>
+                <a:gridCol w="546856"/>
+                <a:gridCol w="546856"/>
+                <a:gridCol w="546856"/>
+                <a:gridCol w="546856"/>
+                <a:gridCol w="546856"/>
+                <a:gridCol w="546856"/>
+                <a:gridCol w="546856"/>
+                <a:gridCol w="546856"/>
+                <a:gridCol w="546856"/>
+                <a:gridCol w="546856"/>
+                <a:gridCol w="546856"/>
+                <a:gridCol w="546856"/>
+                <a:gridCol w="546856"/>
+                <a:gridCol w="546856"/>
+                <a:gridCol w="546856"/>
+                <a:gridCol w="546856"/>
+                <a:gridCol w="546856"/>
+                <a:gridCol w="546856"/>
+                <a:gridCol w="546856"/>
+              </a:tblGrid>
+              <a:tr h="370840">
+                <a:tc>
+                  <a:txBody>
+                    <a:bodyPr/>
+                    <a:lstStyle/>
+                    <a:p>
+                      <a:pPr algn="r"/>
+                      <a:r>
+                        <a:rPr lang="en-US" altLang="zh-CN" smtClean="0"/>
+                        <a:t>-1.0</a:t>
+                      </a:r>
+                      <a:endParaRPr lang="zh-CN" altLang="en-US"/>
+                    </a:p>
+                  </a:txBody>
+                  <a:tcPr/>
+                </a:tc>
+                <a:tc>
+                  <a:txBody>
+                    <a:bodyPr/>
+                    <a:lstStyle/>
+                    <a:p>
+                      <a:pPr algn="r"/>
+                      <a:r>
+                        <a:rPr lang="en-US" altLang="zh-CN" smtClean="0"/>
+                        <a:t>-0.9</a:t>
+                      </a:r>
+                      <a:endParaRPr lang="zh-CN" altLang="en-US"/>
+                    </a:p>
+                  </a:txBody>
+                  <a:tcPr/>
+                </a:tc>
+                <a:tc>
+                  <a:txBody>
+                    <a:bodyPr/>
+                    <a:lstStyle/>
+                    <a:p>
+                      <a:pPr algn="r"/>
+                      <a:r>
+                        <a:rPr lang="en-US" altLang="zh-CN" smtClean="0"/>
+                        <a:t>-0.8</a:t>
+                      </a:r>
+                      <a:endParaRPr lang="zh-CN" altLang="en-US"/>
+                    </a:p>
+                  </a:txBody>
+                  <a:tcPr/>
+                </a:tc>
+                <a:tc>
+                  <a:txBody>
+                    <a:bodyPr/>
+                    <a:lstStyle/>
+                    <a:p>
+                      <a:pPr algn="r"/>
+                      <a:r>
+                        <a:rPr lang="en-US" altLang="zh-CN" smtClean="0"/>
+                        <a:t>-0.7</a:t>
+                      </a:r>
+                      <a:endParaRPr lang="zh-CN" altLang="en-US"/>
+                    </a:p>
+                  </a:txBody>
+                  <a:tcPr/>
+                </a:tc>
+                <a:tc>
+                  <a:txBody>
+                    <a:bodyPr/>
+                    <a:lstStyle/>
+                    <a:p>
+                      <a:pPr algn="r"/>
+                      <a:r>
+                        <a:rPr lang="en-US" altLang="zh-CN" smtClean="0"/>
+                        <a:t>-0.6</a:t>
+                      </a:r>
+                      <a:endParaRPr lang="zh-CN" altLang="en-US"/>
+                    </a:p>
+                  </a:txBody>
+                  <a:tcPr/>
+                </a:tc>
+                <a:tc>
+                  <a:txBody>
+                    <a:bodyPr/>
+                    <a:lstStyle/>
+                    <a:p>
+                      <a:pPr algn="r"/>
+                      <a:r>
+                        <a:rPr lang="en-US" altLang="zh-CN" smtClean="0"/>
+                        <a:t>-0.5</a:t>
+                      </a:r>
+                      <a:endParaRPr lang="zh-CN" altLang="en-US"/>
+                    </a:p>
+                  </a:txBody>
+                  <a:tcPr>
+                    <a:solidFill>
+                      <a:schemeClr val="accent2"/>
+                    </a:solidFill>
+                  </a:tcPr>
+                </a:tc>
+                <a:tc>
+                  <a:txBody>
+                    <a:bodyPr/>
+                    <a:lstStyle/>
+                    <a:p>
+                      <a:pPr algn="r"/>
+                      <a:r>
+                        <a:rPr lang="en-US" altLang="zh-CN" smtClean="0"/>
+                        <a:t>-0.4</a:t>
+                      </a:r>
+                      <a:endParaRPr lang="zh-CN" altLang="en-US"/>
+                    </a:p>
+                  </a:txBody>
+                  <a:tcPr>
+                    <a:solidFill>
+                      <a:schemeClr val="accent2"/>
+                    </a:solidFill>
+                  </a:tcPr>
+                </a:tc>
+                <a:tc>
+                  <a:txBody>
+                    <a:bodyPr/>
+                    <a:lstStyle/>
+                    <a:p>
+                      <a:pPr algn="r"/>
+                      <a:r>
+                        <a:rPr lang="en-US" altLang="zh-CN" smtClean="0"/>
+                        <a:t>-0.3</a:t>
+                      </a:r>
+                      <a:endParaRPr lang="zh-CN" altLang="en-US"/>
+                    </a:p>
+                  </a:txBody>
+                  <a:tcPr>
+                    <a:solidFill>
+                      <a:schemeClr val="accent2"/>
+                    </a:solidFill>
+                  </a:tcPr>
+                </a:tc>
+                <a:tc>
+                  <a:txBody>
+                    <a:bodyPr/>
+                    <a:lstStyle/>
+                    <a:p>
+                      <a:pPr algn="r"/>
+                      <a:r>
+                        <a:rPr lang="en-US" altLang="zh-CN" smtClean="0"/>
+                        <a:t>-0.2</a:t>
+                      </a:r>
+                      <a:endParaRPr lang="zh-CN" altLang="en-US"/>
+                    </a:p>
+                  </a:txBody>
+                  <a:tcPr>
+                    <a:solidFill>
+                      <a:schemeClr val="accent2"/>
+                    </a:solidFill>
+                  </a:tcPr>
+                </a:tc>
+                <a:tc>
+                  <a:txBody>
+                    <a:bodyPr/>
+                    <a:lstStyle/>
+                    <a:p>
+                      <a:pPr algn="r"/>
+                      <a:r>
+                        <a:rPr lang="en-US" altLang="zh-CN" smtClean="0"/>
+                        <a:t>-0.1</a:t>
+                      </a:r>
+                      <a:endParaRPr lang="zh-CN" altLang="en-US"/>
+                    </a:p>
+                  </a:txBody>
+                  <a:tcPr>
+                    <a:solidFill>
+                      <a:schemeClr val="accent2"/>
+                    </a:solidFill>
+                  </a:tcPr>
+                </a:tc>
+                <a:tc>
+                  <a:txBody>
+                    <a:bodyPr/>
+                    <a:lstStyle/>
+                    <a:p>
+                      <a:pPr algn="r"/>
+                      <a:r>
+                        <a:rPr lang="en-US" altLang="zh-CN" smtClean="0"/>
+                        <a:t>0</a:t>
+                      </a:r>
+                      <a:endParaRPr lang="zh-CN" altLang="en-US"/>
+                    </a:p>
+                  </a:txBody>
+                  <a:tcPr>
+                    <a:solidFill>
+                      <a:schemeClr val="accent1"/>
+                    </a:solidFill>
+                  </a:tcPr>
+                </a:tc>
+                <a:tc>
+                  <a:txBody>
+                    <a:bodyPr/>
+                    <a:lstStyle/>
+                    <a:p>
+                      <a:pPr algn="r"/>
+                      <a:r>
+                        <a:rPr lang="en-US" altLang="zh-CN" smtClean="0"/>
+                        <a:t>0.1</a:t>
+                      </a:r>
+                      <a:endParaRPr lang="zh-CN" altLang="en-US"/>
+                    </a:p>
+                  </a:txBody>
+                  <a:tcPr>
+                    <a:solidFill>
+                      <a:schemeClr val="accent1"/>
+                    </a:solidFill>
+                  </a:tcPr>
+                </a:tc>
+                <a:tc>
+                  <a:txBody>
+                    <a:bodyPr/>
+                    <a:lstStyle/>
+                    <a:p>
+                      <a:pPr algn="r"/>
+                      <a:r>
+                        <a:rPr lang="en-US" altLang="zh-CN" smtClean="0"/>
+                        <a:t>0.2</a:t>
+                      </a:r>
+                      <a:endParaRPr lang="zh-CN" altLang="en-US"/>
+                    </a:p>
+                  </a:txBody>
+                  <a:tcPr>
+                    <a:solidFill>
+                      <a:schemeClr val="accent1"/>
+                    </a:solidFill>
+                  </a:tcPr>
+                </a:tc>
+                <a:tc>
+                  <a:txBody>
+                    <a:bodyPr/>
+                    <a:lstStyle/>
+                    <a:p>
+                      <a:pPr algn="r"/>
+                      <a:r>
+                        <a:rPr lang="en-US" altLang="zh-CN" smtClean="0"/>
+                        <a:t>0.3</a:t>
+                      </a:r>
+                      <a:endParaRPr lang="zh-CN" altLang="en-US"/>
+                    </a:p>
+                  </a:txBody>
+                  <a:tcPr>
+                    <a:solidFill>
+                      <a:schemeClr val="accent1"/>
+                    </a:solidFill>
+                  </a:tcPr>
+                </a:tc>
+                <a:tc>
+                  <a:txBody>
+                    <a:bodyPr/>
+                    <a:lstStyle/>
+                    <a:p>
+                      <a:pPr algn="r"/>
+                      <a:r>
+                        <a:rPr lang="en-US" altLang="zh-CN" smtClean="0"/>
+                        <a:t>0.4</a:t>
+                      </a:r>
+                      <a:endParaRPr lang="zh-CN" altLang="en-US"/>
+                    </a:p>
+                  </a:txBody>
+                  <a:tcPr>
+                    <a:solidFill>
+                      <a:schemeClr val="accent1"/>
+                    </a:solidFill>
+                  </a:tcPr>
+                </a:tc>
+                <a:tc>
+                  <a:txBody>
+                    <a:bodyPr/>
+                    <a:lstStyle/>
+                    <a:p>
+                      <a:pPr algn="r"/>
+                      <a:r>
+                        <a:rPr lang="en-US" altLang="zh-CN" smtClean="0"/>
+                        <a:t>0.5</a:t>
+                      </a:r>
+                      <a:endParaRPr lang="zh-CN" altLang="en-US"/>
+                    </a:p>
+                  </a:txBody>
+                  <a:tcPr>
+                    <a:solidFill>
+                      <a:schemeClr val="accent2"/>
+                    </a:solidFill>
+                  </a:tcPr>
+                </a:tc>
+                <a:tc>
+                  <a:txBody>
+                    <a:bodyPr/>
+                    <a:lstStyle/>
+                    <a:p>
+                      <a:pPr algn="r"/>
+                      <a:r>
+                        <a:rPr lang="en-US" altLang="zh-CN" smtClean="0"/>
+                        <a:t>0.6</a:t>
+                      </a:r>
+                      <a:endParaRPr lang="zh-CN" altLang="en-US"/>
+                    </a:p>
+                  </a:txBody>
+                  <a:tcPr>
+                    <a:solidFill>
+                      <a:schemeClr val="accent2"/>
+                    </a:solidFill>
+                  </a:tcPr>
+                </a:tc>
+                <a:tc>
+                  <a:txBody>
+                    <a:bodyPr/>
+                    <a:lstStyle/>
+                    <a:p>
+                      <a:pPr algn="r"/>
+                      <a:r>
+                        <a:rPr lang="en-US" altLang="zh-CN" smtClean="0"/>
+                        <a:t>0.7</a:t>
+                      </a:r>
+                      <a:endParaRPr lang="zh-CN" altLang="en-US"/>
+                    </a:p>
+                  </a:txBody>
+                  <a:tcPr>
+                    <a:solidFill>
+                      <a:schemeClr val="accent2"/>
+                    </a:solidFill>
+                  </a:tcPr>
+                </a:tc>
+                <a:tc>
+                  <a:txBody>
+                    <a:bodyPr/>
+                    <a:lstStyle/>
+                    <a:p>
+                      <a:pPr algn="r"/>
+                      <a:r>
+                        <a:rPr lang="en-US" altLang="zh-CN" smtClean="0"/>
+                        <a:t>0.8</a:t>
+                      </a:r>
+                      <a:endParaRPr lang="zh-CN" altLang="en-US"/>
+                    </a:p>
+                  </a:txBody>
+                  <a:tcPr>
+                    <a:solidFill>
+                      <a:schemeClr val="accent2"/>
+                    </a:solidFill>
+                  </a:tcPr>
+                </a:tc>
+                <a:tc>
+                  <a:txBody>
+                    <a:bodyPr/>
+                    <a:lstStyle/>
+                    <a:p>
+                      <a:pPr algn="r"/>
+                      <a:r>
+                        <a:rPr lang="en-US" altLang="zh-CN" smtClean="0"/>
+                        <a:t>0.9</a:t>
+                      </a:r>
+                      <a:endParaRPr lang="zh-CN" altLang="en-US"/>
+                    </a:p>
+                  </a:txBody>
+                  <a:tcPr>
+                    <a:solidFill>
+                      <a:schemeClr val="accent2"/>
+                    </a:solidFill>
+                  </a:tcPr>
+                </a:tc>
+                <a:tc>
+                  <a:txBody>
+                    <a:bodyPr/>
+                    <a:lstStyle/>
+                    <a:p>
+                      <a:pPr algn="r"/>
+                      <a:r>
+                        <a:rPr lang="en-US" altLang="zh-CN" smtClean="0"/>
+                        <a:t>1.0</a:t>
+                      </a:r>
+                      <a:endParaRPr lang="zh-CN" altLang="en-US"/>
+                    </a:p>
+                  </a:txBody>
+                  <a:tcPr>
+                    <a:solidFill>
+                      <a:schemeClr val="accent1"/>
                     </a:solidFill>
                   </a:tcPr>
                 </a:tc>
@@ -5522,10 +5955,10 @@
                     <a:lstStyle/>
                     <a:p>
                       <a:r>
-                        <a:rPr lang="en-US" altLang="zh-CN" dirty="0" smtClean="0"/>
+                        <a:rPr lang="en-US" altLang="zh-CN" smtClean="0"/>
                         <a:t>1</a:t>
                       </a:r>
-                      <a:endParaRPr lang="zh-CN" altLang="en-US" dirty="0"/>
+                      <a:endParaRPr lang="zh-CN" altLang="en-US"/>
                     </a:p>
                   </a:txBody>
                   <a:tcPr/>
@@ -5536,10 +5969,10 @@
                     <a:lstStyle/>
                     <a:p>
                       <a:r>
-                        <a:rPr lang="en-US" altLang="zh-CN" dirty="0" smtClean="0"/>
+                        <a:rPr lang="en-US" altLang="zh-CN" smtClean="0"/>
                         <a:t>0</a:t>
                       </a:r>
-                      <a:endParaRPr lang="zh-CN" altLang="en-US" dirty="0"/>
+                      <a:endParaRPr lang="zh-CN" altLang="en-US"/>
                     </a:p>
                   </a:txBody>
                   <a:tcPr/>
@@ -5550,10 +5983,10 @@
                     <a:lstStyle/>
                     <a:p>
                       <a:r>
-                        <a:rPr lang="en-US" altLang="zh-CN" dirty="0" smtClean="0"/>
+                        <a:rPr lang="en-US" altLang="zh-CN" smtClean="0"/>
                         <a:t>1</a:t>
                       </a:r>
-                      <a:endParaRPr lang="zh-CN" altLang="en-US" dirty="0"/>
+                      <a:endParaRPr lang="zh-CN" altLang="en-US"/>
                     </a:p>
                   </a:txBody>
                   <a:tcPr/>
@@ -5564,10 +5997,10 @@
                     <a:lstStyle/>
                     <a:p>
                       <a:r>
-                        <a:rPr lang="en-US" altLang="zh-CN" dirty="0" smtClean="0"/>
+                        <a:rPr lang="en-US" altLang="zh-CN" smtClean="0"/>
                         <a:t>1</a:t>
                       </a:r>
-                      <a:endParaRPr lang="zh-CN" altLang="en-US" dirty="0"/>
+                      <a:endParaRPr lang="zh-CN" altLang="en-US"/>
                     </a:p>
                   </a:txBody>
                   <a:tcPr/>
@@ -5578,10 +6011,10 @@
                     <a:lstStyle/>
                     <a:p>
                       <a:r>
-                        <a:rPr lang="en-US" altLang="zh-CN" dirty="0" smtClean="0"/>
+                        <a:rPr lang="en-US" altLang="zh-CN" smtClean="0"/>
                         <a:t>1</a:t>
                       </a:r>
-                      <a:endParaRPr lang="zh-CN" altLang="en-US" dirty="0"/>
+                      <a:endParaRPr lang="zh-CN" altLang="en-US"/>
                     </a:p>
                   </a:txBody>
                   <a:tcPr/>
@@ -5592,10 +6025,10 @@
                     <a:lstStyle/>
                     <a:p>
                       <a:r>
-                        <a:rPr lang="en-US" altLang="zh-CN" dirty="0" smtClean="0"/>
+                        <a:rPr lang="en-US" altLang="zh-CN" smtClean="0"/>
                         <a:t>0</a:t>
                       </a:r>
-                      <a:endParaRPr lang="zh-CN" altLang="en-US" dirty="0"/>
+                      <a:endParaRPr lang="zh-CN" altLang="en-US"/>
                     </a:p>
                   </a:txBody>
                   <a:tcPr/>
@@ -5606,10 +6039,10 @@
                     <a:lstStyle/>
                     <a:p>
                       <a:r>
-                        <a:rPr lang="en-US" altLang="zh-CN" dirty="0" smtClean="0"/>
+                        <a:rPr lang="en-US" altLang="zh-CN" smtClean="0"/>
                         <a:t>1</a:t>
                       </a:r>
-                      <a:endParaRPr lang="zh-CN" altLang="en-US" dirty="0"/>
+                      <a:endParaRPr lang="zh-CN" altLang="en-US"/>
                     </a:p>
                   </a:txBody>
                   <a:tcPr/>
@@ -5620,10 +6053,10 @@
                     <a:lstStyle/>
                     <a:p>
                       <a:r>
-                        <a:rPr lang="en-US" altLang="zh-CN" dirty="0" smtClean="0"/>
+                        <a:rPr lang="en-US" altLang="zh-CN" smtClean="0"/>
                         <a:t>0</a:t>
                       </a:r>
-                      <a:endParaRPr lang="zh-CN" altLang="en-US" dirty="0"/>
+                      <a:endParaRPr lang="zh-CN" altLang="en-US"/>
                     </a:p>
                   </a:txBody>
                   <a:tcPr/>
@@ -5634,10 +6067,10 @@
                     <a:lstStyle/>
                     <a:p>
                       <a:r>
-                        <a:rPr lang="en-US" altLang="zh-CN" dirty="0" smtClean="0"/>
+                        <a:rPr lang="en-US" altLang="zh-CN" smtClean="0"/>
                         <a:t>1</a:t>
                       </a:r>
-                      <a:endParaRPr lang="zh-CN" altLang="en-US" dirty="0"/>
+                      <a:endParaRPr lang="zh-CN" altLang="en-US"/>
                     </a:p>
                   </a:txBody>
                   <a:tcPr/>
@@ -5685,10 +6118,10 @@
                     <a:lstStyle/>
                     <a:p>
                       <a:r>
-                        <a:rPr lang="en-US" altLang="zh-CN" dirty="0" smtClean="0"/>
+                        <a:rPr lang="en-US" altLang="zh-CN" smtClean="0"/>
                         <a:t>1</a:t>
                       </a:r>
-                      <a:endParaRPr lang="zh-CN" altLang="en-US" dirty="0"/>
+                      <a:endParaRPr lang="zh-CN" altLang="en-US"/>
                     </a:p>
                   </a:txBody>
                   <a:tcPr/>
@@ -5699,10 +6132,10 @@
                     <a:lstStyle/>
                     <a:p>
                       <a:r>
-                        <a:rPr lang="en-US" altLang="zh-CN" dirty="0" smtClean="0"/>
+                        <a:rPr lang="en-US" altLang="zh-CN" smtClean="0"/>
                         <a:t>0</a:t>
                       </a:r>
-                      <a:endParaRPr lang="zh-CN" altLang="en-US" dirty="0"/>
+                      <a:endParaRPr lang="zh-CN" altLang="en-US"/>
                     </a:p>
                   </a:txBody>
                   <a:tcPr/>
@@ -5713,10 +6146,10 @@
                     <a:lstStyle/>
                     <a:p>
                       <a:r>
-                        <a:rPr lang="en-US" altLang="zh-CN" dirty="0" smtClean="0"/>
+                        <a:rPr lang="en-US" altLang="zh-CN" smtClean="0"/>
                         <a:t>0</a:t>
                       </a:r>
-                      <a:endParaRPr lang="zh-CN" altLang="en-US" dirty="0"/>
+                      <a:endParaRPr lang="zh-CN" altLang="en-US"/>
                     </a:p>
                   </a:txBody>
                   <a:tcPr/>
@@ -5727,10 +6160,10 @@
                     <a:lstStyle/>
                     <a:p>
                       <a:r>
-                        <a:rPr lang="en-US" altLang="zh-CN" dirty="0" smtClean="0"/>
+                        <a:rPr lang="en-US" altLang="zh-CN" smtClean="0"/>
                         <a:t>0</a:t>
                       </a:r>
-                      <a:endParaRPr lang="zh-CN" altLang="en-US" dirty="0"/>
+                      <a:endParaRPr lang="zh-CN" altLang="en-US"/>
                     </a:p>
                   </a:txBody>
                   <a:tcPr/>
@@ -5741,10 +6174,10 @@
                     <a:lstStyle/>
                     <a:p>
                       <a:r>
-                        <a:rPr lang="en-US" altLang="zh-CN" dirty="0" smtClean="0"/>
+                        <a:rPr lang="en-US" altLang="zh-CN" smtClean="0"/>
                         <a:t>0</a:t>
                       </a:r>
-                      <a:endParaRPr lang="zh-CN" altLang="en-US" dirty="0"/>
+                      <a:endParaRPr lang="zh-CN" altLang="en-US"/>
                     </a:p>
                   </a:txBody>
                   <a:tcPr/>
@@ -5826,10 +6259,10 @@
                     <a:lstStyle/>
                     <a:p>
                       <a:r>
-                        <a:rPr lang="en-US" altLang="zh-CN" dirty="0" smtClean="0"/>
+                        <a:rPr lang="en-US" altLang="zh-CN" smtClean="0"/>
                         <a:t>1</a:t>
                       </a:r>
-                      <a:endParaRPr lang="zh-CN" altLang="en-US" dirty="0"/>
+                      <a:endParaRPr lang="zh-CN" altLang="en-US"/>
                     </a:p>
                   </a:txBody>
                   <a:tcPr/>
@@ -5840,10 +6273,10 @@
                     <a:lstStyle/>
                     <a:p>
                       <a:r>
-                        <a:rPr lang="en-US" altLang="zh-CN" dirty="0" smtClean="0"/>
+                        <a:rPr lang="en-US" altLang="zh-CN" smtClean="0"/>
                         <a:t>0</a:t>
                       </a:r>
-                      <a:endParaRPr lang="zh-CN" altLang="en-US" dirty="0"/>
+                      <a:endParaRPr lang="zh-CN" altLang="en-US"/>
                     </a:p>
                   </a:txBody>
                   <a:tcPr/>
@@ -5854,10 +6287,10 @@
                     <a:lstStyle/>
                     <a:p>
                       <a:r>
-                        <a:rPr lang="en-US" altLang="zh-CN" dirty="0" smtClean="0"/>
+                        <a:rPr lang="en-US" altLang="zh-CN" smtClean="0"/>
                         <a:t>1</a:t>
                       </a:r>
-                      <a:endParaRPr lang="zh-CN" altLang="en-US" dirty="0"/>
+                      <a:endParaRPr lang="zh-CN" altLang="en-US"/>
                     </a:p>
                   </a:txBody>
                   <a:tcPr/>
@@ -5868,10 +6301,10 @@
                     <a:lstStyle/>
                     <a:p>
                       <a:r>
-                        <a:rPr lang="en-US" altLang="zh-CN" dirty="0" smtClean="0"/>
+                        <a:rPr lang="en-US" altLang="zh-CN" smtClean="0"/>
                         <a:t>1</a:t>
                       </a:r>
-                      <a:endParaRPr lang="zh-CN" altLang="en-US" dirty="0"/>
+                      <a:endParaRPr lang="zh-CN" altLang="en-US"/>
                     </a:p>
                   </a:txBody>
                   <a:tcPr/>
@@ -5882,10 +6315,10 @@
                     <a:lstStyle/>
                     <a:p>
                       <a:r>
-                        <a:rPr lang="en-US" altLang="zh-CN" dirty="0" smtClean="0"/>
+                        <a:rPr lang="en-US" altLang="zh-CN" smtClean="0"/>
                         <a:t>1</a:t>
                       </a:r>
-                      <a:endParaRPr lang="zh-CN" altLang="en-US" dirty="0"/>
+                      <a:endParaRPr lang="zh-CN" altLang="en-US"/>
                     </a:p>
                   </a:txBody>
                   <a:tcPr/>
@@ -5896,10 +6329,10 @@
                     <a:lstStyle/>
                     <a:p>
                       <a:r>
-                        <a:rPr lang="en-US" altLang="zh-CN" dirty="0" smtClean="0"/>
+                        <a:rPr lang="en-US" altLang="zh-CN" smtClean="0"/>
                         <a:t>0</a:t>
                       </a:r>
-                      <a:endParaRPr lang="zh-CN" altLang="en-US" dirty="0"/>
+                      <a:endParaRPr lang="zh-CN" altLang="en-US"/>
                     </a:p>
                   </a:txBody>
                   <a:tcPr/>
@@ -5910,10 +6343,10 @@
                     <a:lstStyle/>
                     <a:p>
                       <a:r>
-                        <a:rPr lang="en-US" altLang="zh-CN" dirty="0" smtClean="0"/>
+                        <a:rPr lang="en-US" altLang="zh-CN" smtClean="0"/>
                         <a:t>1</a:t>
                       </a:r>
-                      <a:endParaRPr lang="zh-CN" altLang="en-US" dirty="0"/>
+                      <a:endParaRPr lang="zh-CN" altLang="en-US"/>
                     </a:p>
                   </a:txBody>
                   <a:tcPr/>
@@ -5924,10 +6357,10 @@
                     <a:lstStyle/>
                     <a:p>
                       <a:r>
-                        <a:rPr lang="en-US" altLang="zh-CN" dirty="0" smtClean="0"/>
+                        <a:rPr lang="en-US" altLang="zh-CN" smtClean="0"/>
                         <a:t>0</a:t>
                       </a:r>
-                      <a:endParaRPr lang="zh-CN" altLang="en-US" dirty="0"/>
+                      <a:endParaRPr lang="zh-CN" altLang="en-US"/>
                     </a:p>
                   </a:txBody>
                   <a:tcPr/>
@@ -5938,10 +6371,10 @@
                     <a:lstStyle/>
                     <a:p>
                       <a:r>
-                        <a:rPr lang="en-US" altLang="zh-CN" dirty="0" smtClean="0"/>
+                        <a:rPr lang="en-US" altLang="zh-CN" smtClean="0"/>
                         <a:t>1</a:t>
                       </a:r>
-                      <a:endParaRPr lang="zh-CN" altLang="en-US" dirty="0"/>
+                      <a:endParaRPr lang="zh-CN" altLang="en-US"/>
                     </a:p>
                   </a:txBody>
                   <a:tcPr/>
@@ -5989,10 +6422,10 @@
                     <a:lstStyle/>
                     <a:p>
                       <a:r>
-                        <a:rPr lang="en-US" altLang="zh-CN" dirty="0" smtClean="0"/>
+                        <a:rPr lang="en-US" altLang="zh-CN" smtClean="0"/>
                         <a:t>1</a:t>
                       </a:r>
-                      <a:endParaRPr lang="zh-CN" altLang="en-US" dirty="0"/>
+                      <a:endParaRPr lang="zh-CN" altLang="en-US"/>
                     </a:p>
                   </a:txBody>
                   <a:tcPr/>
@@ -6003,10 +6436,10 @@
                     <a:lstStyle/>
                     <a:p>
                       <a:r>
-                        <a:rPr lang="en-US" altLang="zh-CN" dirty="0" smtClean="0"/>
+                        <a:rPr lang="en-US" altLang="zh-CN" smtClean="0"/>
                         <a:t>0</a:t>
                       </a:r>
-                      <a:endParaRPr lang="zh-CN" altLang="en-US" dirty="0"/>
+                      <a:endParaRPr lang="zh-CN" altLang="en-US"/>
                     </a:p>
                   </a:txBody>
                   <a:tcPr/>
@@ -6017,10 +6450,10 @@
                     <a:lstStyle/>
                     <a:p>
                       <a:r>
-                        <a:rPr lang="en-US" altLang="zh-CN" dirty="0" smtClean="0"/>
+                        <a:rPr lang="en-US" altLang="zh-CN" smtClean="0"/>
                         <a:t>0</a:t>
                       </a:r>
-                      <a:endParaRPr lang="zh-CN" altLang="en-US" dirty="0"/>
+                      <a:endParaRPr lang="zh-CN" altLang="en-US"/>
                     </a:p>
                   </a:txBody>
                   <a:tcPr/>
@@ -6031,10 +6464,10 @@
                     <a:lstStyle/>
                     <a:p>
                       <a:r>
-                        <a:rPr lang="en-US" altLang="zh-CN" dirty="0" smtClean="0"/>
+                        <a:rPr lang="en-US" altLang="zh-CN" smtClean="0"/>
                         <a:t>0</a:t>
                       </a:r>
-                      <a:endParaRPr lang="zh-CN" altLang="en-US" dirty="0"/>
+                      <a:endParaRPr lang="zh-CN" altLang="en-US"/>
                     </a:p>
                   </a:txBody>
                   <a:tcPr/>
@@ -6045,10 +6478,10 @@
                     <a:lstStyle/>
                     <a:p>
                       <a:r>
-                        <a:rPr lang="en-US" altLang="zh-CN" dirty="0" smtClean="0"/>
+                        <a:rPr lang="en-US" altLang="zh-CN" smtClean="0"/>
                         <a:t>0</a:t>
                       </a:r>
-                      <a:endParaRPr lang="zh-CN" altLang="en-US" dirty="0"/>
+                      <a:endParaRPr lang="zh-CN" altLang="en-US"/>
                     </a:p>
                   </a:txBody>
                   <a:tcPr/>
@@ -6097,10 +6530,10 @@
                     <a:lstStyle/>
                     <a:p>
                       <a:r>
-                        <a:rPr lang="en-US" altLang="zh-CN" dirty="0" smtClean="0"/>
+                        <a:rPr lang="en-US" altLang="zh-CN" smtClean="0"/>
                         <a:t>1</a:t>
                       </a:r>
-                      <a:endParaRPr lang="zh-CN" altLang="en-US" dirty="0"/>
+                      <a:endParaRPr lang="zh-CN" altLang="en-US"/>
                     </a:p>
                   </a:txBody>
                   <a:tcPr/>
@@ -6111,10 +6544,10 @@
                     <a:lstStyle/>
                     <a:p>
                       <a:r>
-                        <a:rPr lang="en-US" altLang="zh-CN" dirty="0" smtClean="0"/>
+                        <a:rPr lang="en-US" altLang="zh-CN" smtClean="0"/>
                         <a:t>0</a:t>
                       </a:r>
-                      <a:endParaRPr lang="zh-CN" altLang="en-US" dirty="0"/>
+                      <a:endParaRPr lang="zh-CN" altLang="en-US"/>
                     </a:p>
                   </a:txBody>
                   <a:tcPr/>
@@ -6125,10 +6558,10 @@
                     <a:lstStyle/>
                     <a:p>
                       <a:r>
-                        <a:rPr lang="en-US" altLang="zh-CN" dirty="0" smtClean="0"/>
+                        <a:rPr lang="en-US" altLang="zh-CN" smtClean="0"/>
                         <a:t>0</a:t>
                       </a:r>
-                      <a:endParaRPr lang="zh-CN" altLang="en-US" dirty="0"/>
+                      <a:endParaRPr lang="zh-CN" altLang="en-US"/>
                     </a:p>
                   </a:txBody>
                   <a:tcPr/>
@@ -6139,10 +6572,10 @@
                     <a:lstStyle/>
                     <a:p>
                       <a:r>
-                        <a:rPr lang="en-US" altLang="zh-CN" dirty="0" smtClean="0"/>
+                        <a:rPr lang="en-US" altLang="zh-CN" smtClean="0"/>
                         <a:t>0</a:t>
                       </a:r>
-                      <a:endParaRPr lang="zh-CN" altLang="en-US" dirty="0"/>
+                      <a:endParaRPr lang="zh-CN" altLang="en-US"/>
                     </a:p>
                   </a:txBody>
                   <a:tcPr/>
@@ -6153,10 +6586,10 @@
                     <a:lstStyle/>
                     <a:p>
                       <a:r>
-                        <a:rPr lang="en-US" altLang="zh-CN" dirty="0" smtClean="0"/>
+                        <a:rPr lang="en-US" altLang="zh-CN" smtClean="0"/>
                         <a:t>0</a:t>
                       </a:r>
-                      <a:endParaRPr lang="zh-CN" altLang="en-US" dirty="0"/>
+                      <a:endParaRPr lang="zh-CN" altLang="en-US"/>
                     </a:p>
                   </a:txBody>
                   <a:tcPr/>
@@ -6167,10 +6600,10 @@
                     <a:lstStyle/>
                     <a:p>
                       <a:r>
-                        <a:rPr lang="en-US" altLang="zh-CN" dirty="0" smtClean="0"/>
+                        <a:rPr lang="en-US" altLang="zh-CN" smtClean="0"/>
                         <a:t>0</a:t>
                       </a:r>
-                      <a:endParaRPr lang="zh-CN" altLang="en-US" dirty="0"/>
+                      <a:endParaRPr lang="zh-CN" altLang="en-US"/>
                     </a:p>
                   </a:txBody>
                   <a:tcPr/>
@@ -6203,10 +6636,10 @@
           <a:lstStyle/>
           <a:p>
             <a:r>
-              <a:rPr lang="en-US" altLang="zh-CN" dirty="0" err="1"/>
+              <a:rPr lang="en-US" altLang="zh-CN" err="1"/>
               <a:t>oldLength</a:t>
             </a:r>
-            <a:endParaRPr lang="zh-CN" altLang="en-US" dirty="0"/>
+            <a:endParaRPr lang="zh-CN" altLang="en-US"/>
           </a:p>
         </p:txBody>
       </p:sp>
@@ -6233,10 +6666,10 @@
           <a:lstStyle/>
           <a:p>
             <a:r>
-              <a:rPr lang="en-US" altLang="zh-CN" dirty="0" smtClean="0"/>
+              <a:rPr lang="en-US" altLang="zh-CN" smtClean="0"/>
               <a:t>hash</a:t>
             </a:r>
-            <a:endParaRPr lang="zh-CN" altLang="en-US" dirty="0"/>
+            <a:endParaRPr lang="zh-CN" altLang="en-US"/>
           </a:p>
         </p:txBody>
       </p:sp>
@@ -6263,10 +6696,10 @@
           <a:lstStyle/>
           <a:p>
             <a:r>
-              <a:rPr lang="en-US" altLang="zh-CN" dirty="0" err="1" smtClean="0"/>
+              <a:rPr lang="en-US" altLang="zh-CN" err="1" smtClean="0"/>
               <a:t>newLength</a:t>
             </a:r>
-            <a:endParaRPr lang="zh-CN" altLang="en-US" dirty="0"/>
+            <a:endParaRPr lang="zh-CN" altLang="en-US"/>
           </a:p>
         </p:txBody>
       </p:sp>
@@ -6335,10 +6768,10 @@
           <a:p>
             <a:pPr algn="ctr"/>
             <a:r>
-              <a:rPr lang="en-US" altLang="zh-CN" dirty="0" err="1" smtClean="0"/>
+              <a:rPr lang="en-US" altLang="zh-CN" err="1" smtClean="0"/>
               <a:t>HttpServlet</a:t>
             </a:r>
-            <a:endParaRPr lang="zh-CN" altLang="en-US" dirty="0"/>
+            <a:endParaRPr lang="zh-CN" altLang="en-US"/>
           </a:p>
         </p:txBody>
       </p:sp>
@@ -6379,10 +6812,10 @@
           <a:p>
             <a:pPr algn="ctr"/>
             <a:r>
-              <a:rPr lang="en-US" altLang="zh-CN" dirty="0" smtClean="0"/>
+              <a:rPr lang="en-US" altLang="zh-CN" smtClean="0"/>
               <a:t>service()</a:t>
             </a:r>
-            <a:endParaRPr lang="zh-CN" altLang="en-US" dirty="0"/>
+            <a:endParaRPr lang="zh-CN" altLang="en-US"/>
           </a:p>
         </p:txBody>
       </p:sp>
@@ -6423,14 +6856,14 @@
           <a:p>
             <a:pPr algn="ctr"/>
             <a:r>
-              <a:rPr lang="en-US" altLang="zh-CN" dirty="0" err="1" smtClean="0"/>
+              <a:rPr lang="en-US" altLang="zh-CN" err="1" smtClean="0"/>
               <a:t>doOption</a:t>
             </a:r>
             <a:r>
-              <a:rPr lang="en-US" altLang="zh-CN" dirty="0" smtClean="0"/>
+              <a:rPr lang="en-US" altLang="zh-CN" smtClean="0"/>
               <a:t>()</a:t>
             </a:r>
-            <a:endParaRPr lang="zh-CN" altLang="en-US" dirty="0"/>
+            <a:endParaRPr lang="zh-CN" altLang="en-US"/>
           </a:p>
         </p:txBody>
       </p:sp>
@@ -6471,14 +6904,14 @@
           <a:p>
             <a:pPr algn="ctr"/>
             <a:r>
-              <a:rPr lang="en-US" altLang="zh-CN" dirty="0" err="1" smtClean="0"/>
+              <a:rPr lang="en-US" altLang="zh-CN" err="1" smtClean="0"/>
               <a:t>doDelete</a:t>
             </a:r>
             <a:r>
-              <a:rPr lang="en-US" altLang="zh-CN" dirty="0" smtClean="0"/>
+              <a:rPr lang="en-US" altLang="zh-CN" smtClean="0"/>
               <a:t>()</a:t>
             </a:r>
-            <a:endParaRPr lang="zh-CN" altLang="en-US" dirty="0"/>
+            <a:endParaRPr lang="zh-CN" altLang="en-US"/>
           </a:p>
         </p:txBody>
       </p:sp>
@@ -6519,22 +6952,22 @@
           <a:p>
             <a:pPr algn="ctr"/>
             <a:r>
-              <a:rPr lang="en-US" altLang="zh-CN" dirty="0" err="1" smtClean="0"/>
+              <a:rPr lang="en-US" altLang="zh-CN" err="1" smtClean="0"/>
               <a:t>do</a:t>
             </a:r>
             <a:r>
-              <a:rPr lang="en-US" altLang="zh-CN" dirty="0" err="1"/>
+              <a:rPr lang="en-US" altLang="zh-CN" err="1"/>
               <a:t>Put</a:t>
             </a:r>
             <a:r>
-              <a:rPr lang="en-US" altLang="zh-CN" dirty="0"/>
+              <a:rPr lang="en-US" altLang="zh-CN"/>
               <a:t> </a:t>
             </a:r>
             <a:r>
-              <a:rPr lang="en-US" altLang="zh-CN" dirty="0" smtClean="0"/>
+              <a:rPr lang="en-US" altLang="zh-CN" smtClean="0"/>
               <a:t>()</a:t>
             </a:r>
-            <a:endParaRPr lang="zh-CN" altLang="en-US" dirty="0"/>
+            <a:endParaRPr lang="zh-CN" altLang="en-US"/>
           </a:p>
         </p:txBody>
       </p:sp>
@@ -6575,14 +7008,14 @@
           <a:p>
             <a:pPr algn="ctr"/>
             <a:r>
-              <a:rPr lang="en-US" altLang="zh-CN" dirty="0" err="1" smtClean="0"/>
+              <a:rPr lang="en-US" altLang="zh-CN" err="1" smtClean="0"/>
               <a:t>doPost</a:t>
             </a:r>
             <a:r>
-              <a:rPr lang="en-US" altLang="zh-CN" dirty="0" smtClean="0"/>
+              <a:rPr lang="en-US" altLang="zh-CN" smtClean="0"/>
               <a:t> ()</a:t>
             </a:r>
-            <a:endParaRPr lang="zh-CN" altLang="en-US" dirty="0"/>
+            <a:endParaRPr lang="zh-CN" altLang="en-US"/>
           </a:p>
         </p:txBody>
       </p:sp>
@@ -6623,14 +7056,14 @@
           <a:p>
             <a:pPr algn="ctr"/>
             <a:r>
-              <a:rPr lang="en-US" altLang="zh-CN" dirty="0" err="1" smtClean="0"/>
+              <a:rPr lang="en-US" altLang="zh-CN" err="1" smtClean="0"/>
               <a:t>doHead</a:t>
             </a:r>
             <a:r>
-              <a:rPr lang="en-US" altLang="zh-CN" dirty="0" smtClean="0"/>
+              <a:rPr lang="en-US" altLang="zh-CN" smtClean="0"/>
               <a:t>()</a:t>
             </a:r>
-            <a:endParaRPr lang="zh-CN" altLang="en-US" dirty="0"/>
+            <a:endParaRPr lang="zh-CN" altLang="en-US"/>
           </a:p>
         </p:txBody>
       </p:sp>
@@ -6671,14 +7104,14 @@
           <a:p>
             <a:pPr algn="ctr"/>
             <a:r>
-              <a:rPr lang="en-US" altLang="zh-CN" dirty="0" err="1" smtClean="0"/>
+              <a:rPr lang="en-US" altLang="zh-CN" err="1" smtClean="0"/>
               <a:t>doGet</a:t>
             </a:r>
             <a:r>
-              <a:rPr lang="en-US" altLang="zh-CN" dirty="0" smtClean="0"/>
+              <a:rPr lang="en-US" altLang="zh-CN" smtClean="0"/>
               <a:t>()</a:t>
             </a:r>
-            <a:endParaRPr lang="zh-CN" altLang="en-US" dirty="0"/>
+            <a:endParaRPr lang="zh-CN" altLang="en-US"/>
           </a:p>
         </p:txBody>
       </p:sp>
@@ -6719,14 +7152,14 @@
           <a:p>
             <a:pPr algn="ctr"/>
             <a:r>
-              <a:rPr lang="en-US" altLang="zh-CN" dirty="0" err="1" smtClean="0"/>
+              <a:rPr lang="en-US" altLang="zh-CN" err="1" smtClean="0"/>
               <a:t>doTrace</a:t>
             </a:r>
             <a:r>
-              <a:rPr lang="en-US" altLang="zh-CN" dirty="0" smtClean="0"/>
+              <a:rPr lang="en-US" altLang="zh-CN" smtClean="0"/>
               <a:t>()</a:t>
             </a:r>
-            <a:endParaRPr lang="zh-CN" altLang="en-US" dirty="0"/>
+            <a:endParaRPr lang="zh-CN" altLang="en-US"/>
           </a:p>
         </p:txBody>
       </p:sp>
@@ -7017,10 +7450,10 @@
           <a:p>
             <a:pPr algn="ctr"/>
             <a:r>
-              <a:rPr lang="en-US" altLang="zh-CN" dirty="0" err="1" smtClean="0"/>
+              <a:rPr lang="en-US" altLang="zh-CN" err="1" smtClean="0"/>
               <a:t>FreamworkServlet</a:t>
             </a:r>
-            <a:endParaRPr lang="zh-CN" altLang="en-US" dirty="0"/>
+            <a:endParaRPr lang="zh-CN" altLang="en-US"/>
           </a:p>
         </p:txBody>
       </p:sp>
@@ -7061,10 +7494,10 @@
           <a:p>
             <a:pPr algn="ctr"/>
             <a:r>
-              <a:rPr lang="en-US" altLang="zh-CN" dirty="0" smtClean="0"/>
+              <a:rPr lang="en-US" altLang="zh-CN" smtClean="0"/>
               <a:t>service()</a:t>
             </a:r>
-            <a:endParaRPr lang="zh-CN" altLang="en-US" dirty="0"/>
+            <a:endParaRPr lang="zh-CN" altLang="en-US"/>
           </a:p>
         </p:txBody>
       </p:sp>
@@ -7105,14 +7538,14 @@
           <a:p>
             <a:pPr algn="ctr"/>
             <a:r>
-              <a:rPr lang="en-US" altLang="zh-CN" dirty="0" err="1" smtClean="0"/>
+              <a:rPr lang="en-US" altLang="zh-CN" err="1" smtClean="0"/>
               <a:t>doOption</a:t>
             </a:r>
             <a:r>
-              <a:rPr lang="en-US" altLang="zh-CN" dirty="0" smtClean="0"/>
+              <a:rPr lang="en-US" altLang="zh-CN" smtClean="0"/>
               <a:t>()</a:t>
             </a:r>
-            <a:endParaRPr lang="zh-CN" altLang="en-US" dirty="0"/>
+            <a:endParaRPr lang="zh-CN" altLang="en-US"/>
           </a:p>
         </p:txBody>
       </p:sp>
@@ -7153,14 +7586,14 @@
           <a:p>
             <a:pPr algn="ctr"/>
             <a:r>
-              <a:rPr lang="en-US" altLang="zh-CN" dirty="0" err="1" smtClean="0"/>
+              <a:rPr lang="en-US" altLang="zh-CN" err="1" smtClean="0"/>
               <a:t>doDelete</a:t>
             </a:r>
             <a:r>
-              <a:rPr lang="en-US" altLang="zh-CN" dirty="0" smtClean="0"/>
+              <a:rPr lang="en-US" altLang="zh-CN" smtClean="0"/>
               <a:t>()</a:t>
             </a:r>
-            <a:endParaRPr lang="zh-CN" altLang="en-US" dirty="0"/>
+            <a:endParaRPr lang="zh-CN" altLang="en-US"/>
           </a:p>
         </p:txBody>
       </p:sp>
@@ -7201,22 +7634,22 @@
           <a:p>
             <a:pPr algn="ctr"/>
             <a:r>
-              <a:rPr lang="en-US" altLang="zh-CN" dirty="0" err="1" smtClean="0"/>
+              <a:rPr lang="en-US" altLang="zh-CN" err="1" smtClean="0"/>
               <a:t>do</a:t>
             </a:r>
             <a:r>
-              <a:rPr lang="en-US" altLang="zh-CN" dirty="0" err="1"/>
+              <a:rPr lang="en-US" altLang="zh-CN" err="1"/>
               <a:t>Put</a:t>
             </a:r>
             <a:r>
-              <a:rPr lang="en-US" altLang="zh-CN" dirty="0"/>
+              <a:rPr lang="en-US" altLang="zh-CN"/>
               <a:t> </a:t>
             </a:r>
             <a:r>
-              <a:rPr lang="en-US" altLang="zh-CN" dirty="0" smtClean="0"/>
+              <a:rPr lang="en-US" altLang="zh-CN" smtClean="0"/>
               <a:t>()</a:t>
             </a:r>
-            <a:endParaRPr lang="zh-CN" altLang="en-US" dirty="0"/>
+            <a:endParaRPr lang="zh-CN" altLang="en-US"/>
           </a:p>
         </p:txBody>
       </p:sp>
@@ -7257,14 +7690,14 @@
           <a:p>
             <a:pPr algn="ctr"/>
             <a:r>
-              <a:rPr lang="en-US" altLang="zh-CN" dirty="0" err="1" smtClean="0"/>
+              <a:rPr lang="en-US" altLang="zh-CN" err="1" smtClean="0"/>
               <a:t>doPost</a:t>
             </a:r>
             <a:r>
-              <a:rPr lang="en-US" altLang="zh-CN" dirty="0" smtClean="0"/>
+              <a:rPr lang="en-US" altLang="zh-CN" smtClean="0"/>
               <a:t> ()</a:t>
             </a:r>
-            <a:endParaRPr lang="zh-CN" altLang="en-US" dirty="0"/>
+            <a:endParaRPr lang="zh-CN" altLang="en-US"/>
           </a:p>
         </p:txBody>
       </p:sp>
@@ -7305,14 +7738,14 @@
           <a:p>
             <a:pPr algn="ctr"/>
             <a:r>
-              <a:rPr lang="en-US" altLang="zh-CN" dirty="0" err="1" smtClean="0"/>
+              <a:rPr lang="en-US" altLang="zh-CN" err="1" smtClean="0"/>
               <a:t>doHead</a:t>
             </a:r>
             <a:r>
-              <a:rPr lang="en-US" altLang="zh-CN" dirty="0" smtClean="0"/>
+              <a:rPr lang="en-US" altLang="zh-CN" smtClean="0"/>
               <a:t>()</a:t>
             </a:r>
-            <a:endParaRPr lang="zh-CN" altLang="en-US" dirty="0"/>
+            <a:endParaRPr lang="zh-CN" altLang="en-US"/>
           </a:p>
         </p:txBody>
       </p:sp>
@@ -7353,14 +7786,14 @@
           <a:p>
             <a:pPr algn="ctr"/>
             <a:r>
-              <a:rPr lang="en-US" altLang="zh-CN" dirty="0" err="1" smtClean="0"/>
+              <a:rPr lang="en-US" altLang="zh-CN" err="1" smtClean="0"/>
               <a:t>doGet</a:t>
             </a:r>
             <a:r>
-              <a:rPr lang="en-US" altLang="zh-CN" dirty="0" smtClean="0"/>
+              <a:rPr lang="en-US" altLang="zh-CN" smtClean="0"/>
               <a:t>()</a:t>
             </a:r>
-            <a:endParaRPr lang="zh-CN" altLang="en-US" dirty="0"/>
+            <a:endParaRPr lang="zh-CN" altLang="en-US"/>
           </a:p>
         </p:txBody>
       </p:sp>
@@ -7401,14 +7834,14 @@
           <a:p>
             <a:pPr algn="ctr"/>
             <a:r>
-              <a:rPr lang="en-US" altLang="zh-CN" dirty="0" err="1" smtClean="0"/>
+              <a:rPr lang="en-US" altLang="zh-CN" err="1" smtClean="0"/>
               <a:t>doTrace</a:t>
             </a:r>
             <a:r>
-              <a:rPr lang="en-US" altLang="zh-CN" dirty="0" smtClean="0"/>
+              <a:rPr lang="en-US" altLang="zh-CN" smtClean="0"/>
               <a:t>()</a:t>
             </a:r>
-            <a:endParaRPr lang="zh-CN" altLang="en-US" dirty="0"/>
+            <a:endParaRPr lang="zh-CN" altLang="en-US"/>
           </a:p>
         </p:txBody>
       </p:sp>
@@ -7745,14 +8178,14 @@
           <a:p>
             <a:pPr algn="ctr"/>
             <a:r>
-              <a:rPr lang="en-US" altLang="zh-CN" dirty="0" err="1" smtClean="0"/>
+              <a:rPr lang="en-US" altLang="zh-CN" err="1" smtClean="0"/>
               <a:t>processRequest</a:t>
             </a:r>
             <a:r>
-              <a:rPr lang="en-US" altLang="zh-CN" dirty="0" smtClean="0"/>
+              <a:rPr lang="en-US" altLang="zh-CN" smtClean="0"/>
               <a:t>()</a:t>
             </a:r>
-            <a:endParaRPr lang="zh-CN" altLang="en-US" dirty="0"/>
+            <a:endParaRPr lang="zh-CN" altLang="en-US"/>
           </a:p>
         </p:txBody>
       </p:sp>
@@ -7815,22 +8248,22 @@
           <a:lstStyle/>
           <a:p>
             <a:r>
-              <a:rPr lang="zh-CN" altLang="en-US" dirty="0" smtClean="0"/>
+              <a:rPr lang="zh-CN" altLang="en-US" smtClean="0"/>
               <a:t>除了</a:t>
             </a:r>
             <a:r>
-              <a:rPr lang="en-US" altLang="zh-CN" dirty="0" smtClean="0"/>
+              <a:rPr lang="en-US" altLang="zh-CN" smtClean="0"/>
               <a:t>patch</a:t>
             </a:r>
             <a:r>
-              <a:rPr lang="zh-CN" altLang="en-US" dirty="0" smtClean="0"/>
+              <a:rPr lang="zh-CN" altLang="en-US" smtClean="0"/>
               <a:t>请求，其他请求都使用父类的</a:t>
             </a:r>
             <a:r>
-              <a:rPr lang="en-US" altLang="zh-CN" dirty="0" smtClean="0"/>
+              <a:rPr lang="en-US" altLang="zh-CN" smtClean="0"/>
               <a:t>service()</a:t>
             </a:r>
-            <a:endParaRPr lang="zh-CN" altLang="en-US" dirty="0"/>
+            <a:endParaRPr lang="zh-CN" altLang="en-US"/>
           </a:p>
         </p:txBody>
       </p:sp>
@@ -8138,14 +8571,14 @@
           <a:lstStyle/>
           <a:p>
             <a:r>
-              <a:rPr lang="en-US" altLang="zh-CN" dirty="0" smtClean="0"/>
+              <a:rPr lang="en-US" altLang="zh-CN" smtClean="0"/>
               <a:t>patch</a:t>
             </a:r>
             <a:r>
-              <a:rPr lang="zh-CN" altLang="en-US" dirty="0" smtClean="0"/>
+              <a:rPr lang="zh-CN" altLang="en-US" smtClean="0"/>
               <a:t>请求</a:t>
             </a:r>
-            <a:endParaRPr lang="zh-CN" altLang="en-US" dirty="0"/>
+            <a:endParaRPr lang="zh-CN" altLang="en-US"/>
           </a:p>
         </p:txBody>
       </p:sp>
@@ -8359,13 +8792,13 @@
           <a:lstStyle/>
           <a:p>
             <a:r>
-              <a:rPr lang="en-US" altLang="zh-CN" dirty="0" smtClean="0"/>
+              <a:rPr lang="en-US" altLang="zh-CN" smtClean="0"/>
               <a:t>④</a:t>
             </a:r>
-            <a:endParaRPr lang="zh-CN" altLang="en-US" dirty="0"/>
-          </a:p>
-          <a:p>
-            <a:endParaRPr lang="zh-CN" altLang="en-US" dirty="0"/>
+            <a:endParaRPr lang="zh-CN" altLang="en-US"/>
+          </a:p>
+          <a:p>
+            <a:endParaRPr lang="zh-CN" altLang="en-US"/>
           </a:p>
         </p:txBody>
       </p:sp>
@@ -8392,10 +8825,10 @@
           <a:lstStyle/>
           <a:p>
             <a:r>
-              <a:rPr lang="en-US" altLang="zh-CN" dirty="0" smtClean="0"/>
+              <a:rPr lang="en-US" altLang="zh-CN" smtClean="0"/>
               <a:t> ②</a:t>
             </a:r>
-            <a:endParaRPr lang="zh-CN" altLang="en-US" dirty="0"/>
+            <a:endParaRPr lang="zh-CN" altLang="en-US"/>
           </a:p>
         </p:txBody>
       </p:sp>
@@ -8422,10 +8855,10 @@
           <a:lstStyle/>
           <a:p>
             <a:r>
-              <a:rPr lang="en-US" altLang="zh-CN" dirty="0" smtClean="0"/>
+              <a:rPr lang="en-US" altLang="zh-CN" smtClean="0"/>
               <a:t> ①</a:t>
             </a:r>
-            <a:endParaRPr lang="zh-CN" altLang="en-US" dirty="0"/>
+            <a:endParaRPr lang="zh-CN" altLang="en-US"/>
           </a:p>
         </p:txBody>
       </p:sp>
@@ -8452,14 +8885,14 @@
           <a:lstStyle/>
           <a:p>
             <a:r>
-              <a:rPr lang="en-US" altLang="zh-CN" dirty="0" smtClean="0"/>
+              <a:rPr lang="en-US" altLang="zh-CN" smtClean="0"/>
               <a:t> </a:t>
             </a:r>
             <a:r>
-              <a:rPr lang="en-US" altLang="zh-CN" dirty="0"/>
+              <a:rPr lang="en-US" altLang="zh-CN"/>
               <a:t>③</a:t>
             </a:r>
-            <a:endParaRPr lang="zh-CN" altLang="en-US" dirty="0"/>
+            <a:endParaRPr lang="zh-CN" altLang="en-US"/>
           </a:p>
         </p:txBody>
       </p:sp>
@@ -8486,10 +8919,10 @@
           <a:lstStyle/>
           <a:p>
             <a:r>
-              <a:rPr lang="en-US" altLang="zh-CN" dirty="0" smtClean="0"/>
+              <a:rPr lang="en-US" altLang="zh-CN" smtClean="0"/>
               <a:t> ⑥</a:t>
             </a:r>
-            <a:endParaRPr lang="zh-CN" altLang="en-US" dirty="0"/>
+            <a:endParaRPr lang="zh-CN" altLang="en-US"/>
           </a:p>
         </p:txBody>
       </p:sp>
@@ -8516,14 +8949,14 @@
           <a:lstStyle/>
           <a:p>
             <a:r>
-              <a:rPr lang="en-US" altLang="zh-CN" dirty="0" smtClean="0"/>
+              <a:rPr lang="en-US" altLang="zh-CN" smtClean="0"/>
               <a:t> </a:t>
             </a:r>
             <a:r>
-              <a:rPr lang="en-US" altLang="zh-CN" dirty="0"/>
+              <a:rPr lang="en-US" altLang="zh-CN"/>
               <a:t>⑤</a:t>
             </a:r>
-            <a:endParaRPr lang="zh-CN" altLang="en-US" dirty="0"/>
+            <a:endParaRPr lang="zh-CN" altLang="en-US"/>
           </a:p>
         </p:txBody>
       </p:sp>
@@ -8537,6 +8970,1301 @@
   <p:clrMapOvr>
     <a:masterClrMapping/>
   </p:clrMapOvr>
+</p:sld>
+</file>
+
+<file path=ppt/slides/slide8.xml><?xml version="1.0" encoding="utf-8"?>
+<p:sld xmlns:a="http://schemas.openxmlformats.org/drawingml/2006/main" xmlns:r="http://schemas.openxmlformats.org/officeDocument/2006/relationships" xmlns:p="http://schemas.openxmlformats.org/presentationml/2006/main">
+  <p:cSld>
+    <p:spTree>
+      <p:nvGrpSpPr>
+        <p:cNvPr id="1" name=""/>
+        <p:cNvGrpSpPr/>
+        <p:nvPr/>
+      </p:nvGrpSpPr>
+      <p:grpSpPr>
+        <a:xfrm>
+          <a:off x="0" y="0"/>
+          <a:ext cx="0" cy="0"/>
+          <a:chOff x="0" y="0"/>
+          <a:chExt cx="0" cy="0"/>
+        </a:xfrm>
+      </p:grpSpPr>
+      <p:sp>
+        <p:nvSpPr>
+          <p:cNvPr id="2" name="矩形 1"/>
+          <p:cNvSpPr/>
+          <p:nvPr/>
+        </p:nvSpPr>
+        <p:spPr>
+          <a:xfrm>
+            <a:off x="2243639" y="699587"/>
+            <a:ext cx="546890" cy="328134"/>
+          </a:xfrm>
+          <a:prstGeom prst="rect">
+            <a:avLst/>
+          </a:prstGeom>
+        </p:spPr>
+        <p:style>
+          <a:lnRef idx="2">
+            <a:schemeClr val="accent1">
+              <a:shade val="50000"/>
+            </a:schemeClr>
+          </a:lnRef>
+          <a:fillRef idx="1">
+            <a:schemeClr val="accent1"/>
+          </a:fillRef>
+          <a:effectRef idx="0">
+            <a:schemeClr val="accent1"/>
+          </a:effectRef>
+          <a:fontRef idx="minor">
+            <a:schemeClr val="lt1"/>
+          </a:fontRef>
+        </p:style>
+        <p:txBody>
+          <a:bodyPr rtlCol="0" anchor="ctr"/>
+          <a:lstStyle/>
+          <a:p>
+            <a:pPr algn="ctr"/>
+            <a:endParaRPr lang="zh-CN" altLang="en-US"/>
+          </a:p>
+        </p:txBody>
+      </p:sp>
+      <p:sp>
+        <p:nvSpPr>
+          <p:cNvPr id="3" name="矩形 2"/>
+          <p:cNvSpPr/>
+          <p:nvPr/>
+        </p:nvSpPr>
+        <p:spPr>
+          <a:xfrm>
+            <a:off x="3323565" y="699587"/>
+            <a:ext cx="546890" cy="328134"/>
+          </a:xfrm>
+          <a:prstGeom prst="rect">
+            <a:avLst/>
+          </a:prstGeom>
+        </p:spPr>
+        <p:style>
+          <a:lnRef idx="2">
+            <a:schemeClr val="accent1">
+              <a:shade val="50000"/>
+            </a:schemeClr>
+          </a:lnRef>
+          <a:fillRef idx="1">
+            <a:schemeClr val="accent1"/>
+          </a:fillRef>
+          <a:effectRef idx="0">
+            <a:schemeClr val="accent1"/>
+          </a:effectRef>
+          <a:fontRef idx="minor">
+            <a:schemeClr val="lt1"/>
+          </a:fontRef>
+        </p:style>
+        <p:txBody>
+          <a:bodyPr rtlCol="0" anchor="ctr"/>
+          <a:lstStyle/>
+          <a:p>
+            <a:pPr algn="ctr"/>
+            <a:endParaRPr lang="zh-CN" altLang="en-US"/>
+          </a:p>
+        </p:txBody>
+      </p:sp>
+      <p:cxnSp>
+        <p:nvCxnSpPr>
+          <p:cNvPr id="5" name="直接箭头连接符 4"/>
+          <p:cNvCxnSpPr>
+            <a:stCxn id="2" idx="3"/>
+            <a:endCxn id="3" idx="1"/>
+          </p:cNvCxnSpPr>
+          <p:nvPr/>
+        </p:nvCxnSpPr>
+        <p:spPr>
+          <a:xfrm>
+            <a:off x="2790529" y="863654"/>
+            <a:ext cx="533036" cy="0"/>
+          </a:xfrm>
+          <a:prstGeom prst="straightConnector1">
+            <a:avLst/>
+          </a:prstGeom>
+          <a:ln>
+            <a:tailEnd type="triangle"/>
+          </a:ln>
+        </p:spPr>
+        <p:style>
+          <a:lnRef idx="1">
+            <a:schemeClr val="accent1"/>
+          </a:lnRef>
+          <a:fillRef idx="0">
+            <a:schemeClr val="accent1"/>
+          </a:fillRef>
+          <a:effectRef idx="0">
+            <a:schemeClr val="accent1"/>
+          </a:effectRef>
+          <a:fontRef idx="minor">
+            <a:schemeClr val="tx1"/>
+          </a:fontRef>
+        </p:style>
+      </p:cxnSp>
+      <p:sp>
+        <p:nvSpPr>
+          <p:cNvPr id="6" name="矩形 5"/>
+          <p:cNvSpPr/>
+          <p:nvPr/>
+        </p:nvSpPr>
+        <p:spPr>
+          <a:xfrm>
+            <a:off x="4342967" y="699587"/>
+            <a:ext cx="546890" cy="328134"/>
+          </a:xfrm>
+          <a:prstGeom prst="rect">
+            <a:avLst/>
+          </a:prstGeom>
+        </p:spPr>
+        <p:style>
+          <a:lnRef idx="2">
+            <a:schemeClr val="accent1">
+              <a:shade val="50000"/>
+            </a:schemeClr>
+          </a:lnRef>
+          <a:fillRef idx="1">
+            <a:schemeClr val="accent1"/>
+          </a:fillRef>
+          <a:effectRef idx="0">
+            <a:schemeClr val="accent1"/>
+          </a:effectRef>
+          <a:fontRef idx="minor">
+            <a:schemeClr val="lt1"/>
+          </a:fontRef>
+        </p:style>
+        <p:txBody>
+          <a:bodyPr rtlCol="0" anchor="ctr"/>
+          <a:lstStyle/>
+          <a:p>
+            <a:pPr algn="ctr"/>
+            <a:endParaRPr lang="zh-CN" altLang="en-US"/>
+          </a:p>
+        </p:txBody>
+      </p:sp>
+      <p:sp>
+        <p:nvSpPr>
+          <p:cNvPr id="7" name="矩形 6"/>
+          <p:cNvSpPr/>
+          <p:nvPr/>
+        </p:nvSpPr>
+        <p:spPr>
+          <a:xfrm>
+            <a:off x="5422893" y="699587"/>
+            <a:ext cx="546890" cy="328134"/>
+          </a:xfrm>
+          <a:prstGeom prst="rect">
+            <a:avLst/>
+          </a:prstGeom>
+        </p:spPr>
+        <p:style>
+          <a:lnRef idx="2">
+            <a:schemeClr val="accent1">
+              <a:shade val="50000"/>
+            </a:schemeClr>
+          </a:lnRef>
+          <a:fillRef idx="1">
+            <a:schemeClr val="accent1"/>
+          </a:fillRef>
+          <a:effectRef idx="0">
+            <a:schemeClr val="accent1"/>
+          </a:effectRef>
+          <a:fontRef idx="minor">
+            <a:schemeClr val="lt1"/>
+          </a:fontRef>
+        </p:style>
+        <p:txBody>
+          <a:bodyPr rtlCol="0" anchor="ctr"/>
+          <a:lstStyle/>
+          <a:p>
+            <a:pPr algn="ctr"/>
+            <a:endParaRPr lang="zh-CN" altLang="en-US"/>
+          </a:p>
+        </p:txBody>
+      </p:sp>
+      <p:cxnSp>
+        <p:nvCxnSpPr>
+          <p:cNvPr id="8" name="直接箭头连接符 7"/>
+          <p:cNvCxnSpPr>
+            <a:stCxn id="6" idx="3"/>
+            <a:endCxn id="7" idx="1"/>
+          </p:cNvCxnSpPr>
+          <p:nvPr/>
+        </p:nvCxnSpPr>
+        <p:spPr>
+          <a:xfrm>
+            <a:off x="4889857" y="863654"/>
+            <a:ext cx="533036" cy="0"/>
+          </a:xfrm>
+          <a:prstGeom prst="straightConnector1">
+            <a:avLst/>
+          </a:prstGeom>
+          <a:ln>
+            <a:tailEnd type="triangle"/>
+          </a:ln>
+        </p:spPr>
+        <p:style>
+          <a:lnRef idx="1">
+            <a:schemeClr val="accent1"/>
+          </a:lnRef>
+          <a:fillRef idx="0">
+            <a:schemeClr val="accent1"/>
+          </a:fillRef>
+          <a:effectRef idx="0">
+            <a:schemeClr val="accent1"/>
+          </a:effectRef>
+          <a:fontRef idx="minor">
+            <a:schemeClr val="tx1"/>
+          </a:fontRef>
+        </p:style>
+      </p:cxnSp>
+      <p:cxnSp>
+        <p:nvCxnSpPr>
+          <p:cNvPr id="10" name="直接箭头连接符 9"/>
+          <p:cNvCxnSpPr>
+            <a:stCxn id="3" idx="3"/>
+            <a:endCxn id="6" idx="1"/>
+          </p:cNvCxnSpPr>
+          <p:nvPr/>
+        </p:nvCxnSpPr>
+        <p:spPr>
+          <a:xfrm>
+            <a:off x="3870455" y="863654"/>
+            <a:ext cx="472512" cy="0"/>
+          </a:xfrm>
+          <a:prstGeom prst="straightConnector1">
+            <a:avLst/>
+          </a:prstGeom>
+          <a:ln>
+            <a:tailEnd type="triangle"/>
+          </a:ln>
+        </p:spPr>
+        <p:style>
+          <a:lnRef idx="1">
+            <a:schemeClr val="accent1"/>
+          </a:lnRef>
+          <a:fillRef idx="0">
+            <a:schemeClr val="accent1"/>
+          </a:fillRef>
+          <a:effectRef idx="0">
+            <a:schemeClr val="accent1"/>
+          </a:effectRef>
+          <a:fontRef idx="minor">
+            <a:schemeClr val="tx1"/>
+          </a:fontRef>
+        </p:style>
+      </p:cxnSp>
+      <p:sp>
+        <p:nvSpPr>
+          <p:cNvPr id="11" name="矩形 10"/>
+          <p:cNvSpPr/>
+          <p:nvPr/>
+        </p:nvSpPr>
+        <p:spPr>
+          <a:xfrm>
+            <a:off x="2243639" y="2519250"/>
+            <a:ext cx="546890" cy="328134"/>
+          </a:xfrm>
+          <a:prstGeom prst="rect">
+            <a:avLst/>
+          </a:prstGeom>
+          <a:solidFill>
+            <a:schemeClr val="accent2"/>
+          </a:solidFill>
+        </p:spPr>
+        <p:style>
+          <a:lnRef idx="2">
+            <a:schemeClr val="accent1">
+              <a:shade val="50000"/>
+            </a:schemeClr>
+          </a:lnRef>
+          <a:fillRef idx="1">
+            <a:schemeClr val="accent1"/>
+          </a:fillRef>
+          <a:effectRef idx="0">
+            <a:schemeClr val="accent1"/>
+          </a:effectRef>
+          <a:fontRef idx="minor">
+            <a:schemeClr val="lt1"/>
+          </a:fontRef>
+        </p:style>
+        <p:txBody>
+          <a:bodyPr rtlCol="0" anchor="ctr"/>
+          <a:lstStyle/>
+          <a:p>
+            <a:pPr algn="ctr"/>
+            <a:endParaRPr lang="zh-CN" altLang="en-US">
+              <a:solidFill>
+                <a:srgbClr val="FF0000"/>
+              </a:solidFill>
+            </a:endParaRPr>
+          </a:p>
+        </p:txBody>
+      </p:sp>
+      <p:sp>
+        <p:nvSpPr>
+          <p:cNvPr id="12" name="矩形 11"/>
+          <p:cNvSpPr/>
+          <p:nvPr/>
+        </p:nvSpPr>
+        <p:spPr>
+          <a:xfrm>
+            <a:off x="3323565" y="2519250"/>
+            <a:ext cx="546890" cy="328134"/>
+          </a:xfrm>
+          <a:prstGeom prst="rect">
+            <a:avLst/>
+          </a:prstGeom>
+          <a:solidFill>
+            <a:schemeClr val="accent2"/>
+          </a:solidFill>
+        </p:spPr>
+        <p:style>
+          <a:lnRef idx="2">
+            <a:schemeClr val="accent1">
+              <a:shade val="50000"/>
+            </a:schemeClr>
+          </a:lnRef>
+          <a:fillRef idx="1">
+            <a:schemeClr val="accent1"/>
+          </a:fillRef>
+          <a:effectRef idx="0">
+            <a:schemeClr val="accent1"/>
+          </a:effectRef>
+          <a:fontRef idx="minor">
+            <a:schemeClr val="lt1"/>
+          </a:fontRef>
+        </p:style>
+        <p:txBody>
+          <a:bodyPr rtlCol="0" anchor="ctr"/>
+          <a:lstStyle/>
+          <a:p>
+            <a:pPr algn="ctr"/>
+            <a:endParaRPr lang="zh-CN" altLang="en-US">
+              <a:solidFill>
+                <a:srgbClr val="FF0000"/>
+              </a:solidFill>
+            </a:endParaRPr>
+          </a:p>
+        </p:txBody>
+      </p:sp>
+      <p:cxnSp>
+        <p:nvCxnSpPr>
+          <p:cNvPr id="13" name="直接箭头连接符 12"/>
+          <p:cNvCxnSpPr>
+            <a:stCxn id="11" idx="3"/>
+            <a:endCxn id="12" idx="1"/>
+          </p:cNvCxnSpPr>
+          <p:nvPr/>
+        </p:nvCxnSpPr>
+        <p:spPr>
+          <a:xfrm>
+            <a:off x="2790529" y="2683317"/>
+            <a:ext cx="533036" cy="0"/>
+          </a:xfrm>
+          <a:prstGeom prst="straightConnector1">
+            <a:avLst/>
+          </a:prstGeom>
+          <a:ln>
+            <a:tailEnd type="triangle"/>
+          </a:ln>
+        </p:spPr>
+        <p:style>
+          <a:lnRef idx="1">
+            <a:schemeClr val="accent1"/>
+          </a:lnRef>
+          <a:fillRef idx="0">
+            <a:schemeClr val="accent1"/>
+          </a:fillRef>
+          <a:effectRef idx="0">
+            <a:schemeClr val="accent1"/>
+          </a:effectRef>
+          <a:fontRef idx="minor">
+            <a:schemeClr val="tx1"/>
+          </a:fontRef>
+        </p:style>
+      </p:cxnSp>
+      <p:sp>
+        <p:nvSpPr>
+          <p:cNvPr id="18" name="文本框 17"/>
+          <p:cNvSpPr txBox="1"/>
+          <p:nvPr/>
+        </p:nvSpPr>
+        <p:spPr>
+          <a:xfrm>
+            <a:off x="2121134" y="2047286"/>
+            <a:ext cx="962527" cy="369332"/>
+          </a:xfrm>
+          <a:prstGeom prst="rect">
+            <a:avLst/>
+          </a:prstGeom>
+          <a:noFill/>
+          <a:ln>
+            <a:noFill/>
+          </a:ln>
+        </p:spPr>
+        <p:txBody>
+          <a:bodyPr wrap="square" rtlCol="0">
+            <a:spAutoFit/>
+          </a:bodyPr>
+          <a:lstStyle/>
+          <a:p>
+            <a:r>
+              <a:rPr lang="en-US" altLang="zh-CN" smtClean="0"/>
+              <a:t>table[</a:t>
+            </a:r>
+            <a:r>
+              <a:rPr lang="en-US" altLang="zh-CN" err="1" smtClean="0"/>
+              <a:t>i</a:t>
+            </a:r>
+            <a:r>
+              <a:rPr lang="en-US" altLang="zh-CN" smtClean="0"/>
+              <a:t>]</a:t>
+            </a:r>
+            <a:endParaRPr lang="zh-CN" altLang="en-US"/>
+          </a:p>
+        </p:txBody>
+      </p:sp>
+      <p:sp>
+        <p:nvSpPr>
+          <p:cNvPr id="19" name="文本框 18"/>
+          <p:cNvSpPr txBox="1"/>
+          <p:nvPr/>
+        </p:nvSpPr>
+        <p:spPr>
+          <a:xfrm>
+            <a:off x="2423018" y="163805"/>
+            <a:ext cx="273446" cy="369332"/>
+          </a:xfrm>
+          <a:prstGeom prst="rect">
+            <a:avLst/>
+          </a:prstGeom>
+          <a:noFill/>
+        </p:spPr>
+        <p:txBody>
+          <a:bodyPr wrap="square" rtlCol="0">
+            <a:spAutoFit/>
+          </a:bodyPr>
+          <a:lstStyle/>
+          <a:p>
+            <a:r>
+              <a:rPr lang="en-US" altLang="zh-CN" smtClean="0"/>
+              <a:t>e</a:t>
+            </a:r>
+            <a:endParaRPr lang="zh-CN" altLang="en-US"/>
+          </a:p>
+        </p:txBody>
+      </p:sp>
+      <p:cxnSp>
+        <p:nvCxnSpPr>
+          <p:cNvPr id="25" name="曲线连接符 24"/>
+          <p:cNvCxnSpPr>
+            <a:stCxn id="2" idx="1"/>
+            <a:endCxn id="11" idx="1"/>
+          </p:cNvCxnSpPr>
+          <p:nvPr/>
+        </p:nvCxnSpPr>
+        <p:spPr>
+          <a:xfrm rot="10800000" flipV="1">
+            <a:off x="2243639" y="863653"/>
+            <a:ext cx="12700" cy="1819663"/>
+          </a:xfrm>
+          <a:prstGeom prst="curvedConnector3">
+            <a:avLst>
+              <a:gd name="adj1" fmla="val 3975000"/>
+            </a:avLst>
+          </a:prstGeom>
+          <a:ln w="31750">
+            <a:prstDash val="sysDot"/>
+            <a:tailEnd type="triangle"/>
+          </a:ln>
+        </p:spPr>
+        <p:style>
+          <a:lnRef idx="1">
+            <a:schemeClr val="accent1"/>
+          </a:lnRef>
+          <a:fillRef idx="0">
+            <a:schemeClr val="accent1"/>
+          </a:fillRef>
+          <a:effectRef idx="0">
+            <a:schemeClr val="accent1"/>
+          </a:effectRef>
+          <a:fontRef idx="minor">
+            <a:schemeClr val="tx1"/>
+          </a:fontRef>
+        </p:style>
+      </p:cxnSp>
+      <p:sp>
+        <p:nvSpPr>
+          <p:cNvPr id="26" name="乘号 25"/>
+          <p:cNvSpPr/>
+          <p:nvPr/>
+        </p:nvSpPr>
+        <p:spPr>
+          <a:xfrm>
+            <a:off x="2879147" y="706869"/>
+            <a:ext cx="295275" cy="331892"/>
+          </a:xfrm>
+          <a:prstGeom prst="mathMultiply">
+            <a:avLst/>
+          </a:prstGeom>
+          <a:solidFill>
+            <a:srgbClr val="FF0000"/>
+          </a:solidFill>
+        </p:spPr>
+        <p:style>
+          <a:lnRef idx="2">
+            <a:schemeClr val="accent1">
+              <a:shade val="50000"/>
+            </a:schemeClr>
+          </a:lnRef>
+          <a:fillRef idx="1">
+            <a:schemeClr val="accent1"/>
+          </a:fillRef>
+          <a:effectRef idx="0">
+            <a:schemeClr val="accent1"/>
+          </a:effectRef>
+          <a:fontRef idx="minor">
+            <a:schemeClr val="lt1"/>
+          </a:fontRef>
+        </p:style>
+        <p:txBody>
+          <a:bodyPr rtlCol="0" anchor="ctr"/>
+          <a:lstStyle/>
+          <a:p>
+            <a:pPr algn="ctr"/>
+            <a:endParaRPr lang="zh-CN" altLang="en-US"/>
+          </a:p>
+        </p:txBody>
+      </p:sp>
+      <p:sp>
+        <p:nvSpPr>
+          <p:cNvPr id="27" name="文本框 26"/>
+          <p:cNvSpPr txBox="1"/>
+          <p:nvPr/>
+        </p:nvSpPr>
+        <p:spPr>
+          <a:xfrm>
+            <a:off x="3323565" y="270645"/>
+            <a:ext cx="940131" cy="369332"/>
+          </a:xfrm>
+          <a:prstGeom prst="rect">
+            <a:avLst/>
+          </a:prstGeom>
+          <a:noFill/>
+        </p:spPr>
+        <p:txBody>
+          <a:bodyPr wrap="square" rtlCol="0">
+            <a:spAutoFit/>
+          </a:bodyPr>
+          <a:lstStyle/>
+          <a:p>
+            <a:r>
+              <a:rPr lang="en-US" altLang="zh-CN" smtClean="0"/>
+              <a:t>next</a:t>
+            </a:r>
+            <a:endParaRPr lang="zh-CN" altLang="en-US"/>
+          </a:p>
+        </p:txBody>
+      </p:sp>
+      <p:sp>
+        <p:nvSpPr>
+          <p:cNvPr id="34" name="文本框 33"/>
+          <p:cNvSpPr txBox="1"/>
+          <p:nvPr/>
+        </p:nvSpPr>
+        <p:spPr>
+          <a:xfrm>
+            <a:off x="6986588" y="514351"/>
+            <a:ext cx="3652838" cy="923330"/>
+          </a:xfrm>
+          <a:prstGeom prst="rect">
+            <a:avLst/>
+          </a:prstGeom>
+          <a:noFill/>
+        </p:spPr>
+        <p:txBody>
+          <a:bodyPr wrap="square" rtlCol="0">
+            <a:spAutoFit/>
+          </a:bodyPr>
+          <a:lstStyle/>
+          <a:p>
+            <a:r>
+              <a:rPr lang="en-US" altLang="zh-CN" err="1" smtClean="0"/>
+              <a:t>e.next</a:t>
+            </a:r>
+            <a:r>
+              <a:rPr lang="en-US" altLang="zh-CN" smtClean="0"/>
+              <a:t> = table[</a:t>
+            </a:r>
+            <a:r>
+              <a:rPr lang="en-US" altLang="zh-CN" err="1" smtClean="0"/>
+              <a:t>i</a:t>
+            </a:r>
+            <a:r>
+              <a:rPr lang="en-US" altLang="zh-CN" smtClean="0"/>
+              <a:t>];</a:t>
+            </a:r>
+          </a:p>
+          <a:p>
+            <a:r>
+              <a:rPr lang="en-US" altLang="zh-CN" smtClean="0"/>
+              <a:t>table[i] = e;</a:t>
+            </a:r>
+          </a:p>
+          <a:p>
+            <a:r>
+              <a:rPr lang="en-US" altLang="zh-CN" smtClean="0"/>
+              <a:t>e = next;</a:t>
+            </a:r>
+            <a:endParaRPr lang="zh-CN" altLang="en-US"/>
+          </a:p>
+        </p:txBody>
+      </p:sp>
+      <p:cxnSp>
+        <p:nvCxnSpPr>
+          <p:cNvPr id="39" name="直接箭头连接符 38"/>
+          <p:cNvCxnSpPr>
+            <a:stCxn id="18" idx="0"/>
+            <a:endCxn id="2" idx="2"/>
+          </p:cNvCxnSpPr>
+          <p:nvPr/>
+        </p:nvCxnSpPr>
+        <p:spPr>
+          <a:xfrm flipH="1" flipV="1">
+            <a:off x="2517084" y="1027721"/>
+            <a:ext cx="85314" cy="1019565"/>
+          </a:xfrm>
+          <a:prstGeom prst="straightConnector1">
+            <a:avLst/>
+          </a:prstGeom>
+          <a:ln w="22225">
+            <a:solidFill>
+              <a:schemeClr val="accent2"/>
+            </a:solidFill>
+            <a:prstDash val="sysDot"/>
+            <a:tailEnd type="triangle"/>
+          </a:ln>
+        </p:spPr>
+        <p:style>
+          <a:lnRef idx="1">
+            <a:schemeClr val="accent1"/>
+          </a:lnRef>
+          <a:fillRef idx="0">
+            <a:schemeClr val="accent1"/>
+          </a:fillRef>
+          <a:effectRef idx="0">
+            <a:schemeClr val="accent1"/>
+          </a:effectRef>
+          <a:fontRef idx="minor">
+            <a:schemeClr val="tx1"/>
+          </a:fontRef>
+        </p:style>
+      </p:cxnSp>
+      <p:sp>
+        <p:nvSpPr>
+          <p:cNvPr id="41" name="矩形 40"/>
+          <p:cNvSpPr/>
+          <p:nvPr/>
+        </p:nvSpPr>
+        <p:spPr>
+          <a:xfrm>
+            <a:off x="2243639" y="4161925"/>
+            <a:ext cx="546890" cy="328134"/>
+          </a:xfrm>
+          <a:prstGeom prst="rect">
+            <a:avLst/>
+          </a:prstGeom>
+        </p:spPr>
+        <p:style>
+          <a:lnRef idx="2">
+            <a:schemeClr val="accent1">
+              <a:shade val="50000"/>
+            </a:schemeClr>
+          </a:lnRef>
+          <a:fillRef idx="1">
+            <a:schemeClr val="accent1"/>
+          </a:fillRef>
+          <a:effectRef idx="0">
+            <a:schemeClr val="accent1"/>
+          </a:effectRef>
+          <a:fontRef idx="minor">
+            <a:schemeClr val="lt1"/>
+          </a:fontRef>
+        </p:style>
+        <p:txBody>
+          <a:bodyPr rtlCol="0" anchor="ctr"/>
+          <a:lstStyle/>
+          <a:p>
+            <a:pPr algn="ctr"/>
+            <a:endParaRPr lang="zh-CN" altLang="en-US"/>
+          </a:p>
+        </p:txBody>
+      </p:sp>
+      <p:sp>
+        <p:nvSpPr>
+          <p:cNvPr id="42" name="矩形 41"/>
+          <p:cNvSpPr/>
+          <p:nvPr/>
+        </p:nvSpPr>
+        <p:spPr>
+          <a:xfrm>
+            <a:off x="3323565" y="4161925"/>
+            <a:ext cx="546890" cy="328134"/>
+          </a:xfrm>
+          <a:prstGeom prst="rect">
+            <a:avLst/>
+          </a:prstGeom>
+        </p:spPr>
+        <p:style>
+          <a:lnRef idx="2">
+            <a:schemeClr val="accent1">
+              <a:shade val="50000"/>
+            </a:schemeClr>
+          </a:lnRef>
+          <a:fillRef idx="1">
+            <a:schemeClr val="accent1"/>
+          </a:fillRef>
+          <a:effectRef idx="0">
+            <a:schemeClr val="accent1"/>
+          </a:effectRef>
+          <a:fontRef idx="minor">
+            <a:schemeClr val="lt1"/>
+          </a:fontRef>
+        </p:style>
+        <p:txBody>
+          <a:bodyPr rtlCol="0" anchor="ctr"/>
+          <a:lstStyle/>
+          <a:p>
+            <a:pPr algn="ctr"/>
+            <a:endParaRPr lang="zh-CN" altLang="en-US"/>
+          </a:p>
+        </p:txBody>
+      </p:sp>
+      <p:sp>
+        <p:nvSpPr>
+          <p:cNvPr id="44" name="矩形 43"/>
+          <p:cNvSpPr/>
+          <p:nvPr/>
+        </p:nvSpPr>
+        <p:spPr>
+          <a:xfrm>
+            <a:off x="4342967" y="4161925"/>
+            <a:ext cx="546890" cy="328134"/>
+          </a:xfrm>
+          <a:prstGeom prst="rect">
+            <a:avLst/>
+          </a:prstGeom>
+        </p:spPr>
+        <p:style>
+          <a:lnRef idx="2">
+            <a:schemeClr val="accent1">
+              <a:shade val="50000"/>
+            </a:schemeClr>
+          </a:lnRef>
+          <a:fillRef idx="1">
+            <a:schemeClr val="accent1"/>
+          </a:fillRef>
+          <a:effectRef idx="0">
+            <a:schemeClr val="accent1"/>
+          </a:effectRef>
+          <a:fontRef idx="minor">
+            <a:schemeClr val="lt1"/>
+          </a:fontRef>
+        </p:style>
+        <p:txBody>
+          <a:bodyPr rtlCol="0" anchor="ctr"/>
+          <a:lstStyle/>
+          <a:p>
+            <a:pPr algn="ctr"/>
+            <a:endParaRPr lang="zh-CN" altLang="en-US"/>
+          </a:p>
+        </p:txBody>
+      </p:sp>
+      <p:sp>
+        <p:nvSpPr>
+          <p:cNvPr id="45" name="矩形 44"/>
+          <p:cNvSpPr/>
+          <p:nvPr/>
+        </p:nvSpPr>
+        <p:spPr>
+          <a:xfrm>
+            <a:off x="5422893" y="4161925"/>
+            <a:ext cx="546890" cy="328134"/>
+          </a:xfrm>
+          <a:prstGeom prst="rect">
+            <a:avLst/>
+          </a:prstGeom>
+        </p:spPr>
+        <p:style>
+          <a:lnRef idx="2">
+            <a:schemeClr val="accent1">
+              <a:shade val="50000"/>
+            </a:schemeClr>
+          </a:lnRef>
+          <a:fillRef idx="1">
+            <a:schemeClr val="accent1"/>
+          </a:fillRef>
+          <a:effectRef idx="0">
+            <a:schemeClr val="accent1"/>
+          </a:effectRef>
+          <a:fontRef idx="minor">
+            <a:schemeClr val="lt1"/>
+          </a:fontRef>
+        </p:style>
+        <p:txBody>
+          <a:bodyPr rtlCol="0" anchor="ctr"/>
+          <a:lstStyle/>
+          <a:p>
+            <a:pPr algn="ctr"/>
+            <a:endParaRPr lang="zh-CN" altLang="en-US"/>
+          </a:p>
+        </p:txBody>
+      </p:sp>
+      <p:cxnSp>
+        <p:nvCxnSpPr>
+          <p:cNvPr id="46" name="直接箭头连接符 45"/>
+          <p:cNvCxnSpPr>
+            <a:stCxn id="44" idx="3"/>
+            <a:endCxn id="45" idx="1"/>
+          </p:cNvCxnSpPr>
+          <p:nvPr/>
+        </p:nvCxnSpPr>
+        <p:spPr>
+          <a:xfrm>
+            <a:off x="4889857" y="4325992"/>
+            <a:ext cx="533036" cy="0"/>
+          </a:xfrm>
+          <a:prstGeom prst="straightConnector1">
+            <a:avLst/>
+          </a:prstGeom>
+          <a:ln>
+            <a:tailEnd type="triangle"/>
+          </a:ln>
+        </p:spPr>
+        <p:style>
+          <a:lnRef idx="1">
+            <a:schemeClr val="accent1"/>
+          </a:lnRef>
+          <a:fillRef idx="0">
+            <a:schemeClr val="accent1"/>
+          </a:fillRef>
+          <a:effectRef idx="0">
+            <a:schemeClr val="accent1"/>
+          </a:effectRef>
+          <a:fontRef idx="minor">
+            <a:schemeClr val="tx1"/>
+          </a:fontRef>
+        </p:style>
+      </p:cxnSp>
+      <p:cxnSp>
+        <p:nvCxnSpPr>
+          <p:cNvPr id="47" name="直接箭头连接符 46"/>
+          <p:cNvCxnSpPr>
+            <a:stCxn id="42" idx="3"/>
+            <a:endCxn id="44" idx="1"/>
+          </p:cNvCxnSpPr>
+          <p:nvPr/>
+        </p:nvCxnSpPr>
+        <p:spPr>
+          <a:xfrm>
+            <a:off x="3870455" y="4325992"/>
+            <a:ext cx="472512" cy="0"/>
+          </a:xfrm>
+          <a:prstGeom prst="straightConnector1">
+            <a:avLst/>
+          </a:prstGeom>
+          <a:ln>
+            <a:tailEnd type="triangle"/>
+          </a:ln>
+        </p:spPr>
+        <p:style>
+          <a:lnRef idx="1">
+            <a:schemeClr val="accent1"/>
+          </a:lnRef>
+          <a:fillRef idx="0">
+            <a:schemeClr val="accent1"/>
+          </a:fillRef>
+          <a:effectRef idx="0">
+            <a:schemeClr val="accent1"/>
+          </a:effectRef>
+          <a:fontRef idx="minor">
+            <a:schemeClr val="tx1"/>
+          </a:fontRef>
+        </p:style>
+      </p:cxnSp>
+      <p:sp>
+        <p:nvSpPr>
+          <p:cNvPr id="48" name="矩形 47"/>
+          <p:cNvSpPr/>
+          <p:nvPr/>
+        </p:nvSpPr>
+        <p:spPr>
+          <a:xfrm>
+            <a:off x="2243639" y="5981588"/>
+            <a:ext cx="546890" cy="328134"/>
+          </a:xfrm>
+          <a:prstGeom prst="rect">
+            <a:avLst/>
+          </a:prstGeom>
+          <a:solidFill>
+            <a:schemeClr val="accent2"/>
+          </a:solidFill>
+        </p:spPr>
+        <p:style>
+          <a:lnRef idx="2">
+            <a:schemeClr val="accent1">
+              <a:shade val="50000"/>
+            </a:schemeClr>
+          </a:lnRef>
+          <a:fillRef idx="1">
+            <a:schemeClr val="accent1"/>
+          </a:fillRef>
+          <a:effectRef idx="0">
+            <a:schemeClr val="accent1"/>
+          </a:effectRef>
+          <a:fontRef idx="minor">
+            <a:schemeClr val="lt1"/>
+          </a:fontRef>
+        </p:style>
+        <p:txBody>
+          <a:bodyPr rtlCol="0" anchor="ctr"/>
+          <a:lstStyle/>
+          <a:p>
+            <a:pPr algn="ctr"/>
+            <a:endParaRPr lang="zh-CN" altLang="en-US">
+              <a:solidFill>
+                <a:srgbClr val="FF0000"/>
+              </a:solidFill>
+            </a:endParaRPr>
+          </a:p>
+        </p:txBody>
+      </p:sp>
+      <p:sp>
+        <p:nvSpPr>
+          <p:cNvPr id="49" name="矩形 48"/>
+          <p:cNvSpPr/>
+          <p:nvPr/>
+        </p:nvSpPr>
+        <p:spPr>
+          <a:xfrm>
+            <a:off x="3323565" y="5981588"/>
+            <a:ext cx="546890" cy="328134"/>
+          </a:xfrm>
+          <a:prstGeom prst="rect">
+            <a:avLst/>
+          </a:prstGeom>
+          <a:solidFill>
+            <a:schemeClr val="accent2"/>
+          </a:solidFill>
+        </p:spPr>
+        <p:style>
+          <a:lnRef idx="2">
+            <a:schemeClr val="accent1">
+              <a:shade val="50000"/>
+            </a:schemeClr>
+          </a:lnRef>
+          <a:fillRef idx="1">
+            <a:schemeClr val="accent1"/>
+          </a:fillRef>
+          <a:effectRef idx="0">
+            <a:schemeClr val="accent1"/>
+          </a:effectRef>
+          <a:fontRef idx="minor">
+            <a:schemeClr val="lt1"/>
+          </a:fontRef>
+        </p:style>
+        <p:txBody>
+          <a:bodyPr rtlCol="0" anchor="ctr"/>
+          <a:lstStyle/>
+          <a:p>
+            <a:pPr algn="ctr"/>
+            <a:endParaRPr lang="zh-CN" altLang="en-US">
+              <a:solidFill>
+                <a:srgbClr val="FF0000"/>
+              </a:solidFill>
+            </a:endParaRPr>
+          </a:p>
+        </p:txBody>
+      </p:sp>
+      <p:cxnSp>
+        <p:nvCxnSpPr>
+          <p:cNvPr id="50" name="直接箭头连接符 49"/>
+          <p:cNvCxnSpPr>
+            <a:stCxn id="48" idx="3"/>
+            <a:endCxn id="49" idx="1"/>
+          </p:cNvCxnSpPr>
+          <p:nvPr/>
+        </p:nvCxnSpPr>
+        <p:spPr>
+          <a:xfrm>
+            <a:off x="2790529" y="6145655"/>
+            <a:ext cx="533036" cy="0"/>
+          </a:xfrm>
+          <a:prstGeom prst="straightConnector1">
+            <a:avLst/>
+          </a:prstGeom>
+          <a:ln>
+            <a:tailEnd type="triangle"/>
+          </a:ln>
+        </p:spPr>
+        <p:style>
+          <a:lnRef idx="1">
+            <a:schemeClr val="accent1"/>
+          </a:lnRef>
+          <a:fillRef idx="0">
+            <a:schemeClr val="accent1"/>
+          </a:fillRef>
+          <a:effectRef idx="0">
+            <a:schemeClr val="accent1"/>
+          </a:effectRef>
+          <a:fontRef idx="minor">
+            <a:schemeClr val="tx1"/>
+          </a:fontRef>
+        </p:style>
+      </p:cxnSp>
+      <p:sp>
+        <p:nvSpPr>
+          <p:cNvPr id="51" name="文本框 50"/>
+          <p:cNvSpPr txBox="1"/>
+          <p:nvPr/>
+        </p:nvSpPr>
+        <p:spPr>
+          <a:xfrm>
+            <a:off x="2123731" y="3641248"/>
+            <a:ext cx="962527" cy="369332"/>
+          </a:xfrm>
+          <a:prstGeom prst="rect">
+            <a:avLst/>
+          </a:prstGeom>
+          <a:noFill/>
+          <a:ln>
+            <a:noFill/>
+          </a:ln>
+        </p:spPr>
+        <p:txBody>
+          <a:bodyPr wrap="square" rtlCol="0">
+            <a:spAutoFit/>
+          </a:bodyPr>
+          <a:lstStyle/>
+          <a:p>
+            <a:r>
+              <a:rPr lang="en-US" altLang="zh-CN" smtClean="0"/>
+              <a:t>table[i]</a:t>
+            </a:r>
+            <a:endParaRPr lang="zh-CN" altLang="en-US"/>
+          </a:p>
+        </p:txBody>
+      </p:sp>
+      <p:cxnSp>
+        <p:nvCxnSpPr>
+          <p:cNvPr id="53" name="曲线连接符 52"/>
+          <p:cNvCxnSpPr>
+            <a:stCxn id="41" idx="1"/>
+            <a:endCxn id="48" idx="1"/>
+          </p:cNvCxnSpPr>
+          <p:nvPr/>
+        </p:nvCxnSpPr>
+        <p:spPr>
+          <a:xfrm rot="10800000" flipV="1">
+            <a:off x="2243639" y="4325991"/>
+            <a:ext cx="12700" cy="1819663"/>
+          </a:xfrm>
+          <a:prstGeom prst="curvedConnector3">
+            <a:avLst>
+              <a:gd name="adj1" fmla="val 3975000"/>
+            </a:avLst>
+          </a:prstGeom>
+          <a:ln w="31750">
+            <a:prstDash val="solid"/>
+            <a:tailEnd type="triangle"/>
+          </a:ln>
+        </p:spPr>
+        <p:style>
+          <a:lnRef idx="1">
+            <a:schemeClr val="accent1"/>
+          </a:lnRef>
+          <a:fillRef idx="0">
+            <a:schemeClr val="accent1"/>
+          </a:fillRef>
+          <a:effectRef idx="0">
+            <a:schemeClr val="accent1"/>
+          </a:effectRef>
+          <a:fontRef idx="minor">
+            <a:schemeClr val="tx1"/>
+          </a:fontRef>
+        </p:style>
+      </p:cxnSp>
+      <p:sp>
+        <p:nvSpPr>
+          <p:cNvPr id="55" name="文本框 54"/>
+          <p:cNvSpPr txBox="1"/>
+          <p:nvPr/>
+        </p:nvSpPr>
+        <p:spPr>
+          <a:xfrm>
+            <a:off x="3323565" y="3732982"/>
+            <a:ext cx="940131" cy="369332"/>
+          </a:xfrm>
+          <a:prstGeom prst="rect">
+            <a:avLst/>
+          </a:prstGeom>
+          <a:noFill/>
+        </p:spPr>
+        <p:txBody>
+          <a:bodyPr wrap="square" rtlCol="0">
+            <a:spAutoFit/>
+          </a:bodyPr>
+          <a:lstStyle/>
+          <a:p>
+            <a:r>
+              <a:rPr lang="en-US" altLang="zh-CN" smtClean="0"/>
+              <a:t>e</a:t>
+            </a:r>
+            <a:r>
+              <a:rPr lang="zh-CN" altLang="en-US" smtClean="0"/>
+              <a:t>、</a:t>
+            </a:r>
+            <a:r>
+              <a:rPr lang="en-US" altLang="zh-CN" smtClean="0"/>
+              <a:t>next</a:t>
+            </a:r>
+            <a:endParaRPr lang="zh-CN" altLang="en-US"/>
+          </a:p>
+        </p:txBody>
+      </p:sp>
+      <p:sp>
+        <p:nvSpPr>
+          <p:cNvPr id="60" name="文本框 59"/>
+          <p:cNvSpPr txBox="1"/>
+          <p:nvPr/>
+        </p:nvSpPr>
+        <p:spPr>
+          <a:xfrm>
+            <a:off x="138113" y="1437681"/>
+            <a:ext cx="2300287" cy="646331"/>
+          </a:xfrm>
+          <a:prstGeom prst="rect">
+            <a:avLst/>
+          </a:prstGeom>
+          <a:noFill/>
+        </p:spPr>
+        <p:txBody>
+          <a:bodyPr wrap="square" rtlCol="0">
+            <a:spAutoFit/>
+          </a:bodyPr>
+          <a:lstStyle/>
+          <a:p>
+            <a:r>
+              <a:rPr lang="en-US" altLang="zh-CN" smtClean="0"/>
+              <a:t>①e.next </a:t>
+            </a:r>
+            <a:r>
+              <a:rPr lang="en-US" altLang="zh-CN"/>
+              <a:t>= table[i];</a:t>
+            </a:r>
+          </a:p>
+          <a:p>
+            <a:endParaRPr lang="zh-CN" altLang="en-US"/>
+          </a:p>
+        </p:txBody>
+      </p:sp>
+      <p:sp>
+        <p:nvSpPr>
+          <p:cNvPr id="61" name="文本框 60"/>
+          <p:cNvSpPr txBox="1"/>
+          <p:nvPr/>
+        </p:nvSpPr>
+        <p:spPr>
+          <a:xfrm>
+            <a:off x="2602398" y="1509713"/>
+            <a:ext cx="1661298" cy="646331"/>
+          </a:xfrm>
+          <a:prstGeom prst="rect">
+            <a:avLst/>
+          </a:prstGeom>
+          <a:noFill/>
+        </p:spPr>
+        <p:txBody>
+          <a:bodyPr wrap="square" rtlCol="0">
+            <a:spAutoFit/>
+          </a:bodyPr>
+          <a:lstStyle/>
+          <a:p>
+            <a:r>
+              <a:rPr lang="en-US" altLang="zh-CN" smtClean="0"/>
+              <a:t>②Table[i</a:t>
+            </a:r>
+            <a:r>
+              <a:rPr lang="en-US" altLang="zh-CN"/>
+              <a:t>] = e;</a:t>
+            </a:r>
+          </a:p>
+          <a:p>
+            <a:endParaRPr lang="zh-CN" altLang="en-US"/>
+          </a:p>
+        </p:txBody>
+      </p:sp>
+      <p:cxnSp>
+        <p:nvCxnSpPr>
+          <p:cNvPr id="63" name="直接箭头连接符 62"/>
+          <p:cNvCxnSpPr>
+            <a:stCxn id="19" idx="2"/>
+            <a:endCxn id="2" idx="0"/>
+          </p:cNvCxnSpPr>
+          <p:nvPr/>
+        </p:nvCxnSpPr>
+        <p:spPr>
+          <a:xfrm flipH="1">
+            <a:off x="2517084" y="533137"/>
+            <a:ext cx="42657" cy="166450"/>
+          </a:xfrm>
+          <a:prstGeom prst="straightConnector1">
+            <a:avLst/>
+          </a:prstGeom>
+          <a:ln>
+            <a:solidFill>
+              <a:schemeClr val="accent2"/>
+            </a:solidFill>
+            <a:tailEnd type="triangle"/>
+          </a:ln>
+        </p:spPr>
+        <p:style>
+          <a:lnRef idx="1">
+            <a:schemeClr val="accent1"/>
+          </a:lnRef>
+          <a:fillRef idx="0">
+            <a:schemeClr val="accent1"/>
+          </a:fillRef>
+          <a:effectRef idx="0">
+            <a:schemeClr val="accent1"/>
+          </a:effectRef>
+          <a:fontRef idx="minor">
+            <a:schemeClr val="tx1"/>
+          </a:fontRef>
+        </p:style>
+      </p:cxnSp>
+    </p:spTree>
+    <p:extLst>
+      <p:ext uri="{BB962C8B-B14F-4D97-AF65-F5344CB8AC3E}">
+        <p14:creationId xmlns:p14="http://schemas.microsoft.com/office/powerpoint/2010/main" val="1360987945"/>
+      </p:ext>
+    </p:extLst>
+  </p:cSld>
+  <p:clrMapOvr>
+    <a:masterClrMapping/>
+  </p:clrMapOvr>
+  <p:timing>
+    <p:tnLst>
+      <p:par>
+        <p:cTn id="1" dur="indefinite" restart="never" nodeType="tmRoot"/>
+      </p:par>
+    </p:tnLst>
+  </p:timing>
 </p:sld>
 </file>
 

--- a/source/_posts/private/temp.pptx
+++ b/source/_posts/private/temp.pptx
@@ -250,7 +250,7 @@
           <a:p>
             <a:fld id="{2AD4BC02-7F97-4D27-81F7-72C0A593BB03}" type="datetimeFigureOut">
               <a:rPr lang="zh-CN" altLang="en-US" smtClean="0"/>
-              <a:t>2018/11/6</a:t>
+              <a:t>2018/12/3</a:t>
             </a:fld>
             <a:endParaRPr lang="zh-CN" altLang="en-US"/>
           </a:p>
@@ -420,7 +420,7 @@
           <a:p>
             <a:fld id="{2AD4BC02-7F97-4D27-81F7-72C0A593BB03}" type="datetimeFigureOut">
               <a:rPr lang="zh-CN" altLang="en-US" smtClean="0"/>
-              <a:t>2018/11/6</a:t>
+              <a:t>2018/12/3</a:t>
             </a:fld>
             <a:endParaRPr lang="zh-CN" altLang="en-US"/>
           </a:p>
@@ -600,7 +600,7 @@
           <a:p>
             <a:fld id="{2AD4BC02-7F97-4D27-81F7-72C0A593BB03}" type="datetimeFigureOut">
               <a:rPr lang="zh-CN" altLang="en-US" smtClean="0"/>
-              <a:t>2018/11/6</a:t>
+              <a:t>2018/12/3</a:t>
             </a:fld>
             <a:endParaRPr lang="zh-CN" altLang="en-US"/>
           </a:p>
@@ -770,7 +770,7 @@
           <a:p>
             <a:fld id="{2AD4BC02-7F97-4D27-81F7-72C0A593BB03}" type="datetimeFigureOut">
               <a:rPr lang="zh-CN" altLang="en-US" smtClean="0"/>
-              <a:t>2018/11/6</a:t>
+              <a:t>2018/12/3</a:t>
             </a:fld>
             <a:endParaRPr lang="zh-CN" altLang="en-US"/>
           </a:p>
@@ -1016,7 +1016,7 @@
           <a:p>
             <a:fld id="{2AD4BC02-7F97-4D27-81F7-72C0A593BB03}" type="datetimeFigureOut">
               <a:rPr lang="zh-CN" altLang="en-US" smtClean="0"/>
-              <a:t>2018/11/6</a:t>
+              <a:t>2018/12/3</a:t>
             </a:fld>
             <a:endParaRPr lang="zh-CN" altLang="en-US"/>
           </a:p>
@@ -1248,7 +1248,7 @@
           <a:p>
             <a:fld id="{2AD4BC02-7F97-4D27-81F7-72C0A593BB03}" type="datetimeFigureOut">
               <a:rPr lang="zh-CN" altLang="en-US" smtClean="0"/>
-              <a:t>2018/11/6</a:t>
+              <a:t>2018/12/3</a:t>
             </a:fld>
             <a:endParaRPr lang="zh-CN" altLang="en-US"/>
           </a:p>
@@ -1615,7 +1615,7 @@
           <a:p>
             <a:fld id="{2AD4BC02-7F97-4D27-81F7-72C0A593BB03}" type="datetimeFigureOut">
               <a:rPr lang="zh-CN" altLang="en-US" smtClean="0"/>
-              <a:t>2018/11/6</a:t>
+              <a:t>2018/12/3</a:t>
             </a:fld>
             <a:endParaRPr lang="zh-CN" altLang="en-US"/>
           </a:p>
@@ -1733,7 +1733,7 @@
           <a:p>
             <a:fld id="{2AD4BC02-7F97-4D27-81F7-72C0A593BB03}" type="datetimeFigureOut">
               <a:rPr lang="zh-CN" altLang="en-US" smtClean="0"/>
-              <a:t>2018/11/6</a:t>
+              <a:t>2018/12/3</a:t>
             </a:fld>
             <a:endParaRPr lang="zh-CN" altLang="en-US"/>
           </a:p>
@@ -1828,7 +1828,7 @@
           <a:p>
             <a:fld id="{2AD4BC02-7F97-4D27-81F7-72C0A593BB03}" type="datetimeFigureOut">
               <a:rPr lang="zh-CN" altLang="en-US" smtClean="0"/>
-              <a:t>2018/11/6</a:t>
+              <a:t>2018/12/3</a:t>
             </a:fld>
             <a:endParaRPr lang="zh-CN" altLang="en-US"/>
           </a:p>
@@ -2105,7 +2105,7 @@
           <a:p>
             <a:fld id="{2AD4BC02-7F97-4D27-81F7-72C0A593BB03}" type="datetimeFigureOut">
               <a:rPr lang="zh-CN" altLang="en-US" smtClean="0"/>
-              <a:t>2018/11/6</a:t>
+              <a:t>2018/12/3</a:t>
             </a:fld>
             <a:endParaRPr lang="zh-CN" altLang="en-US"/>
           </a:p>
@@ -2358,7 +2358,7 @@
           <a:p>
             <a:fld id="{2AD4BC02-7F97-4D27-81F7-72C0A593BB03}" type="datetimeFigureOut">
               <a:rPr lang="zh-CN" altLang="en-US" smtClean="0"/>
-              <a:t>2018/11/6</a:t>
+              <a:t>2018/12/3</a:t>
             </a:fld>
             <a:endParaRPr lang="zh-CN" altLang="en-US"/>
           </a:p>
@@ -2571,7 +2571,7 @@
           <a:p>
             <a:fld id="{2AD4BC02-7F97-4D27-81F7-72C0A593BB03}" type="datetimeFigureOut">
               <a:rPr lang="zh-CN" altLang="en-US" smtClean="0"/>
-              <a:t>2018/11/6</a:t>
+              <a:t>2018/12/3</a:t>
             </a:fld>
             <a:endParaRPr lang="zh-CN" altLang="en-US"/>
           </a:p>
